--- a/Harmonische Lage.pptx
+++ b/Harmonische Lage.pptx
@@ -7,16 +7,22 @@
   <p:sldIdLst>
     <p:sldId id="256" r:id="rId2"/>
     <p:sldId id="257" r:id="rId3"/>
-    <p:sldId id="266" r:id="rId4"/>
-    <p:sldId id="268" r:id="rId5"/>
-    <p:sldId id="258" r:id="rId6"/>
-    <p:sldId id="270" r:id="rId7"/>
-    <p:sldId id="271" r:id="rId8"/>
-    <p:sldId id="264" r:id="rId9"/>
-    <p:sldId id="261" r:id="rId10"/>
-    <p:sldId id="265" r:id="rId11"/>
-    <p:sldId id="263" r:id="rId12"/>
-    <p:sldId id="262" r:id="rId13"/>
+    <p:sldId id="277" r:id="rId4"/>
+    <p:sldId id="266" r:id="rId5"/>
+    <p:sldId id="268" r:id="rId6"/>
+    <p:sldId id="258" r:id="rId7"/>
+    <p:sldId id="270" r:id="rId8"/>
+    <p:sldId id="271" r:id="rId9"/>
+    <p:sldId id="278" r:id="rId10"/>
+    <p:sldId id="261" r:id="rId11"/>
+    <p:sldId id="265" r:id="rId12"/>
+    <p:sldId id="272" r:id="rId13"/>
+    <p:sldId id="279" r:id="rId14"/>
+    <p:sldId id="275" r:id="rId15"/>
+    <p:sldId id="276" r:id="rId16"/>
+    <p:sldId id="280" r:id="rId17"/>
+    <p:sldId id="273" r:id="rId18"/>
+    <p:sldId id="274" r:id="rId19"/>
   </p:sldIdLst>
   <p:sldSz cx="9144000" cy="5143500" type="screen16x9"/>
   <p:notesSz cx="6858000" cy="9144000"/>
@@ -311,7 +317,7 @@
           <a:p>
             <a:fld id="{0E1FDB70-F1E5-449B-8454-B7E3E57C209B}" type="datetimeFigureOut">
               <a:rPr lang="de-DE" smtClean="0"/>
-              <a:t>10.12.2016</a:t>
+              <a:t>11.12.2016</a:t>
             </a:fld>
             <a:endParaRPr lang="de-DE"/>
           </a:p>
@@ -481,7 +487,7 @@
           <a:p>
             <a:fld id="{0E1FDB70-F1E5-449B-8454-B7E3E57C209B}" type="datetimeFigureOut">
               <a:rPr lang="de-DE" smtClean="0"/>
-              <a:t>10.12.2016</a:t>
+              <a:t>11.12.2016</a:t>
             </a:fld>
             <a:endParaRPr lang="de-DE"/>
           </a:p>
@@ -661,7 +667,7 @@
           <a:p>
             <a:fld id="{0E1FDB70-F1E5-449B-8454-B7E3E57C209B}" type="datetimeFigureOut">
               <a:rPr lang="de-DE" smtClean="0"/>
-              <a:t>10.12.2016</a:t>
+              <a:t>11.12.2016</a:t>
             </a:fld>
             <a:endParaRPr lang="de-DE"/>
           </a:p>
@@ -831,7 +837,7 @@
           <a:p>
             <a:fld id="{0E1FDB70-F1E5-449B-8454-B7E3E57C209B}" type="datetimeFigureOut">
               <a:rPr lang="de-DE" smtClean="0"/>
-              <a:t>10.12.2016</a:t>
+              <a:t>11.12.2016</a:t>
             </a:fld>
             <a:endParaRPr lang="de-DE"/>
           </a:p>
@@ -1077,7 +1083,7 @@
           <a:p>
             <a:fld id="{0E1FDB70-F1E5-449B-8454-B7E3E57C209B}" type="datetimeFigureOut">
               <a:rPr lang="de-DE" smtClean="0"/>
-              <a:t>10.12.2016</a:t>
+              <a:t>11.12.2016</a:t>
             </a:fld>
             <a:endParaRPr lang="de-DE"/>
           </a:p>
@@ -1365,7 +1371,7 @@
           <a:p>
             <a:fld id="{0E1FDB70-F1E5-449B-8454-B7E3E57C209B}" type="datetimeFigureOut">
               <a:rPr lang="de-DE" smtClean="0"/>
-              <a:t>10.12.2016</a:t>
+              <a:t>11.12.2016</a:t>
             </a:fld>
             <a:endParaRPr lang="de-DE"/>
           </a:p>
@@ -1787,7 +1793,7 @@
           <a:p>
             <a:fld id="{0E1FDB70-F1E5-449B-8454-B7E3E57C209B}" type="datetimeFigureOut">
               <a:rPr lang="de-DE" smtClean="0"/>
-              <a:t>10.12.2016</a:t>
+              <a:t>11.12.2016</a:t>
             </a:fld>
             <a:endParaRPr lang="de-DE"/>
           </a:p>
@@ -1905,7 +1911,7 @@
           <a:p>
             <a:fld id="{0E1FDB70-F1E5-449B-8454-B7E3E57C209B}" type="datetimeFigureOut">
               <a:rPr lang="de-DE" smtClean="0"/>
-              <a:t>10.12.2016</a:t>
+              <a:t>11.12.2016</a:t>
             </a:fld>
             <a:endParaRPr lang="de-DE"/>
           </a:p>
@@ -2000,7 +2006,7 @@
           <a:p>
             <a:fld id="{0E1FDB70-F1E5-449B-8454-B7E3E57C209B}" type="datetimeFigureOut">
               <a:rPr lang="de-DE" smtClean="0"/>
-              <a:t>10.12.2016</a:t>
+              <a:t>11.12.2016</a:t>
             </a:fld>
             <a:endParaRPr lang="de-DE"/>
           </a:p>
@@ -2277,7 +2283,7 @@
           <a:p>
             <a:fld id="{0E1FDB70-F1E5-449B-8454-B7E3E57C209B}" type="datetimeFigureOut">
               <a:rPr lang="de-DE" smtClean="0"/>
-              <a:t>10.12.2016</a:t>
+              <a:t>11.12.2016</a:t>
             </a:fld>
             <a:endParaRPr lang="de-DE"/>
           </a:p>
@@ -2530,7 +2536,7 @@
           <a:p>
             <a:fld id="{0E1FDB70-F1E5-449B-8454-B7E3E57C209B}" type="datetimeFigureOut">
               <a:rPr lang="de-DE" smtClean="0"/>
-              <a:t>10.12.2016</a:t>
+              <a:t>11.12.2016</a:t>
             </a:fld>
             <a:endParaRPr lang="de-DE"/>
           </a:p>
@@ -2746,7 +2752,7 @@
           <a:p>
             <a:fld id="{0E1FDB70-F1E5-449B-8454-B7E3E57C209B}" type="datetimeFigureOut">
               <a:rPr lang="de-DE" smtClean="0"/>
-              <a:t>10.12.2016</a:t>
+              <a:t>11.12.2016</a:t>
             </a:fld>
             <a:endParaRPr lang="de-DE"/>
           </a:p>
@@ -3245,7 +3251,7 @@
           <a:p>
             <a:r>
               <a:rPr lang="de-DE" dirty="0" smtClean="0"/>
-              <a:t>Doppelverhältnis</a:t>
+              <a:t>Teilverhältnis</a:t>
             </a:r>
             <a:endParaRPr lang="de-DE" dirty="0"/>
           </a:p>
@@ -3273,7 +3279,7 @@
     </p:spTree>
     <p:extLst>
       <p:ext uri="{BB962C8B-B14F-4D97-AF65-F5344CB8AC3E}">
-        <p14:creationId xmlns:p14="http://schemas.microsoft.com/office/powerpoint/2010/main" val="219564343"/>
+        <p14:creationId xmlns:p14="http://schemas.microsoft.com/office/powerpoint/2010/main" val="2301485837"/>
       </p:ext>
     </p:extLst>
   </p:cSld>
@@ -3309,12 +3315,12 @@
       </p:grpSpPr>
       <p:sp>
         <p:nvSpPr>
-          <p:cNvPr id="4" name="Titel 3"/>
+          <p:cNvPr id="2" name="Titel 1"/>
           <p:cNvSpPr>
             <a:spLocks noGrp="1"/>
           </p:cNvSpPr>
           <p:nvPr>
-            <p:ph type="ctrTitle"/>
+            <p:ph type="title"/>
           </p:nvPr>
         </p:nvSpPr>
         <p:spPr/>
@@ -3324,7 +3330,7 @@
           <a:p>
             <a:r>
               <a:rPr lang="de-DE" dirty="0" smtClean="0"/>
-              <a:t>Harmonische Lage in der Gestaltung</a:t>
+              <a:t>Doppelverhältnis</a:t>
             </a:r>
             <a:endParaRPr lang="de-DE" dirty="0"/>
           </a:p>
@@ -3332,12 +3338,12 @@
       </p:sp>
       <p:sp>
         <p:nvSpPr>
-          <p:cNvPr id="5" name="Untertitel 4"/>
+          <p:cNvPr id="3" name="Inhaltsplatzhalter 2"/>
           <p:cNvSpPr>
             <a:spLocks noGrp="1"/>
           </p:cNvSpPr>
           <p:nvPr>
-            <p:ph type="subTitle" idx="1"/>
+            <p:ph idx="1"/>
           </p:nvPr>
         </p:nvSpPr>
         <p:spPr/>
@@ -3352,7 +3358,7 @@
     </p:spTree>
     <p:extLst>
       <p:ext uri="{BB962C8B-B14F-4D97-AF65-F5344CB8AC3E}">
-        <p14:creationId xmlns:p14="http://schemas.microsoft.com/office/powerpoint/2010/main" val="983701686"/>
+        <p14:creationId xmlns:p14="http://schemas.microsoft.com/office/powerpoint/2010/main" val="219564343"/>
       </p:ext>
     </p:extLst>
   </p:cSld>
@@ -3401,6 +3407,10 @@
           <a:bodyPr/>
           <a:lstStyle/>
           <a:p>
+            <a:r>
+              <a:rPr lang="de-DE" dirty="0" smtClean="0"/>
+              <a:t>Harmonische Lage und Doppelverhältnis</a:t>
+            </a:r>
             <a:endParaRPr lang="de-DE" dirty="0"/>
           </a:p>
         </p:txBody>
@@ -3427,13 +3437,634 @@
     </p:spTree>
     <p:extLst>
       <p:ext uri="{BB962C8B-B14F-4D97-AF65-F5344CB8AC3E}">
-        <p14:creationId xmlns:p14="http://schemas.microsoft.com/office/powerpoint/2010/main" val="915521463"/>
+        <p14:creationId xmlns:p14="http://schemas.microsoft.com/office/powerpoint/2010/main" val="3684312310"/>
       </p:ext>
     </p:extLst>
   </p:cSld>
   <p:clrMapOvr>
     <a:masterClrMapping/>
   </p:clrMapOvr>
+  <p:timing>
+    <p:tnLst>
+      <p:par>
+        <p:cTn id="1" dur="indefinite" restart="never" nodeType="tmRoot"/>
+      </p:par>
+    </p:tnLst>
+  </p:timing>
+</p:sld>
+</file>
+
+<file path=ppt/slides/slide13.xml><?xml version="1.0" encoding="utf-8"?>
+<p:sld xmlns:a="http://schemas.openxmlformats.org/drawingml/2006/main" xmlns:r="http://schemas.openxmlformats.org/officeDocument/2006/relationships" xmlns:p="http://schemas.openxmlformats.org/presentationml/2006/main">
+  <p:cSld>
+    <p:spTree>
+      <p:nvGrpSpPr>
+        <p:cNvPr id="1" name=""/>
+        <p:cNvGrpSpPr/>
+        <p:nvPr/>
+      </p:nvGrpSpPr>
+      <p:grpSpPr>
+        <a:xfrm>
+          <a:off x="0" y="0"/>
+          <a:ext cx="0" cy="0"/>
+          <a:chOff x="0" y="0"/>
+          <a:chExt cx="0" cy="0"/>
+        </a:xfrm>
+      </p:grpSpPr>
+      <p:sp>
+        <p:nvSpPr>
+          <p:cNvPr id="4" name="Titel 3"/>
+          <p:cNvSpPr>
+            <a:spLocks noGrp="1"/>
+          </p:cNvSpPr>
+          <p:nvPr>
+            <p:ph type="ctrTitle"/>
+          </p:nvPr>
+        </p:nvSpPr>
+        <p:spPr/>
+        <p:txBody>
+          <a:bodyPr/>
+          <a:lstStyle/>
+          <a:p>
+            <a:r>
+              <a:rPr lang="de-DE" dirty="0" smtClean="0"/>
+              <a:t>Harmonische Lage in der Gestaltung</a:t>
+            </a:r>
+            <a:endParaRPr lang="de-DE" dirty="0"/>
+          </a:p>
+        </p:txBody>
+      </p:sp>
+    </p:spTree>
+    <p:extLst>
+      <p:ext uri="{BB962C8B-B14F-4D97-AF65-F5344CB8AC3E}">
+        <p14:creationId xmlns:p14="http://schemas.microsoft.com/office/powerpoint/2010/main" val="2964293013"/>
+      </p:ext>
+    </p:extLst>
+  </p:cSld>
+  <p:clrMapOvr>
+    <a:masterClrMapping/>
+  </p:clrMapOvr>
+  <p:timing>
+    <p:tnLst>
+      <p:par>
+        <p:cTn id="1" dur="indefinite" restart="never" nodeType="tmRoot"/>
+      </p:par>
+    </p:tnLst>
+  </p:timing>
+</p:sld>
+</file>
+
+<file path=ppt/slides/slide14.xml><?xml version="1.0" encoding="utf-8"?>
+<p:sld xmlns:a="http://schemas.openxmlformats.org/drawingml/2006/main" xmlns:r="http://schemas.openxmlformats.org/officeDocument/2006/relationships" xmlns:p="http://schemas.openxmlformats.org/presentationml/2006/main">
+  <p:cSld>
+    <p:spTree>
+      <p:nvGrpSpPr>
+        <p:cNvPr id="1" name=""/>
+        <p:cNvGrpSpPr/>
+        <p:nvPr/>
+      </p:nvGrpSpPr>
+      <p:grpSpPr>
+        <a:xfrm>
+          <a:off x="0" y="0"/>
+          <a:ext cx="0" cy="0"/>
+          <a:chOff x="0" y="0"/>
+          <a:chExt cx="0" cy="0"/>
+        </a:xfrm>
+      </p:grpSpPr>
+      <p:sp>
+        <p:nvSpPr>
+          <p:cNvPr id="2" name="Titel 1"/>
+          <p:cNvSpPr>
+            <a:spLocks noGrp="1"/>
+          </p:cNvSpPr>
+          <p:nvPr>
+            <p:ph type="title"/>
+          </p:nvPr>
+        </p:nvSpPr>
+        <p:spPr/>
+        <p:txBody>
+          <a:bodyPr/>
+          <a:lstStyle/>
+          <a:p>
+            <a:r>
+              <a:rPr lang="de-DE" dirty="0" smtClean="0"/>
+              <a:t>Zentralperspektive</a:t>
+            </a:r>
+            <a:endParaRPr lang="de-DE" dirty="0"/>
+          </a:p>
+        </p:txBody>
+      </p:sp>
+      <p:sp>
+        <p:nvSpPr>
+          <p:cNvPr id="3" name="Inhaltsplatzhalter 2"/>
+          <p:cNvSpPr>
+            <a:spLocks noGrp="1"/>
+          </p:cNvSpPr>
+          <p:nvPr>
+            <p:ph idx="1"/>
+          </p:nvPr>
+        </p:nvSpPr>
+        <p:spPr/>
+        <p:txBody>
+          <a:bodyPr/>
+          <a:lstStyle/>
+          <a:p>
+            <a:endParaRPr lang="de-DE"/>
+          </a:p>
+        </p:txBody>
+      </p:sp>
+    </p:spTree>
+    <p:extLst>
+      <p:ext uri="{BB962C8B-B14F-4D97-AF65-F5344CB8AC3E}">
+        <p14:creationId xmlns:p14="http://schemas.microsoft.com/office/powerpoint/2010/main" val="4148397981"/>
+      </p:ext>
+    </p:extLst>
+  </p:cSld>
+  <p:clrMapOvr>
+    <a:masterClrMapping/>
+  </p:clrMapOvr>
+  <p:timing>
+    <p:tnLst>
+      <p:par>
+        <p:cTn id="1" dur="indefinite" restart="never" nodeType="tmRoot"/>
+      </p:par>
+    </p:tnLst>
+  </p:timing>
+</p:sld>
+</file>
+
+<file path=ppt/slides/slide15.xml><?xml version="1.0" encoding="utf-8"?>
+<p:sld xmlns:a="http://schemas.openxmlformats.org/drawingml/2006/main" xmlns:r="http://schemas.openxmlformats.org/officeDocument/2006/relationships" xmlns:p="http://schemas.openxmlformats.org/presentationml/2006/main">
+  <p:cSld>
+    <p:spTree>
+      <p:nvGrpSpPr>
+        <p:cNvPr id="1" name=""/>
+        <p:cNvGrpSpPr/>
+        <p:nvPr/>
+      </p:nvGrpSpPr>
+      <p:grpSpPr>
+        <a:xfrm>
+          <a:off x="0" y="0"/>
+          <a:ext cx="0" cy="0"/>
+          <a:chOff x="0" y="0"/>
+          <a:chExt cx="0" cy="0"/>
+        </a:xfrm>
+      </p:grpSpPr>
+      <p:sp>
+        <p:nvSpPr>
+          <p:cNvPr id="2" name="Titel 1"/>
+          <p:cNvSpPr>
+            <a:spLocks noGrp="1"/>
+          </p:cNvSpPr>
+          <p:nvPr>
+            <p:ph type="title"/>
+          </p:nvPr>
+        </p:nvSpPr>
+        <p:spPr/>
+        <p:txBody>
+          <a:bodyPr/>
+          <a:lstStyle/>
+          <a:p>
+            <a:r>
+              <a:rPr lang="de-DE" dirty="0" smtClean="0"/>
+              <a:t>Satzspiegel</a:t>
+            </a:r>
+            <a:endParaRPr lang="de-DE" dirty="0"/>
+          </a:p>
+        </p:txBody>
+      </p:sp>
+      <p:sp>
+        <p:nvSpPr>
+          <p:cNvPr id="3" name="Inhaltsplatzhalter 2"/>
+          <p:cNvSpPr>
+            <a:spLocks noGrp="1"/>
+          </p:cNvSpPr>
+          <p:nvPr>
+            <p:ph idx="1"/>
+          </p:nvPr>
+        </p:nvSpPr>
+        <p:spPr/>
+        <p:txBody>
+          <a:bodyPr/>
+          <a:lstStyle/>
+          <a:p>
+            <a:endParaRPr lang="de-DE"/>
+          </a:p>
+        </p:txBody>
+      </p:sp>
+    </p:spTree>
+    <p:extLst>
+      <p:ext uri="{BB962C8B-B14F-4D97-AF65-F5344CB8AC3E}">
+        <p14:creationId xmlns:p14="http://schemas.microsoft.com/office/powerpoint/2010/main" val="3828007740"/>
+      </p:ext>
+    </p:extLst>
+  </p:cSld>
+  <p:clrMapOvr>
+    <a:masterClrMapping/>
+  </p:clrMapOvr>
+  <p:timing>
+    <p:tnLst>
+      <p:par>
+        <p:cTn id="1" dur="indefinite" restart="never" nodeType="tmRoot"/>
+      </p:par>
+    </p:tnLst>
+  </p:timing>
+</p:sld>
+</file>
+
+<file path=ppt/slides/slide16.xml><?xml version="1.0" encoding="utf-8"?>
+<p:sld xmlns:a="http://schemas.openxmlformats.org/drawingml/2006/main" xmlns:r="http://schemas.openxmlformats.org/officeDocument/2006/relationships" xmlns:p="http://schemas.openxmlformats.org/presentationml/2006/main">
+  <p:cSld>
+    <p:spTree>
+      <p:nvGrpSpPr>
+        <p:cNvPr id="1" name=""/>
+        <p:cNvGrpSpPr/>
+        <p:nvPr/>
+      </p:nvGrpSpPr>
+      <p:grpSpPr>
+        <a:xfrm>
+          <a:off x="0" y="0"/>
+          <a:ext cx="0" cy="0"/>
+          <a:chOff x="0" y="0"/>
+          <a:chExt cx="0" cy="0"/>
+        </a:xfrm>
+      </p:grpSpPr>
+      <p:sp>
+        <p:nvSpPr>
+          <p:cNvPr id="2" name="Titel 1"/>
+          <p:cNvSpPr>
+            <a:spLocks noGrp="1"/>
+          </p:cNvSpPr>
+          <p:nvPr>
+            <p:ph type="title"/>
+          </p:nvPr>
+        </p:nvSpPr>
+        <p:spPr/>
+        <p:txBody>
+          <a:bodyPr/>
+          <a:lstStyle/>
+          <a:p>
+            <a:r>
+              <a:rPr lang="de-DE" dirty="0" smtClean="0"/>
+              <a:t>Gestaltungsraster</a:t>
+            </a:r>
+            <a:endParaRPr lang="de-DE" dirty="0"/>
+          </a:p>
+        </p:txBody>
+      </p:sp>
+      <p:sp>
+        <p:nvSpPr>
+          <p:cNvPr id="3" name="Inhaltsplatzhalter 2"/>
+          <p:cNvSpPr>
+            <a:spLocks noGrp="1"/>
+          </p:cNvSpPr>
+          <p:nvPr>
+            <p:ph idx="1"/>
+          </p:nvPr>
+        </p:nvSpPr>
+        <p:spPr/>
+        <p:txBody>
+          <a:bodyPr/>
+          <a:lstStyle/>
+          <a:p>
+            <a:endParaRPr lang="de-DE"/>
+          </a:p>
+        </p:txBody>
+      </p:sp>
+    </p:spTree>
+    <p:extLst>
+      <p:ext uri="{BB962C8B-B14F-4D97-AF65-F5344CB8AC3E}">
+        <p14:creationId xmlns:p14="http://schemas.microsoft.com/office/powerpoint/2010/main" val="393880471"/>
+      </p:ext>
+    </p:extLst>
+  </p:cSld>
+  <p:clrMapOvr>
+    <a:masterClrMapping/>
+  </p:clrMapOvr>
+  <p:timing>
+    <p:tnLst>
+      <p:par>
+        <p:cTn id="1" dur="indefinite" restart="never" nodeType="tmRoot"/>
+      </p:par>
+    </p:tnLst>
+  </p:timing>
+</p:sld>
+</file>
+
+<file path=ppt/slides/slide17.xml><?xml version="1.0" encoding="utf-8"?>
+<p:sld xmlns:a="http://schemas.openxmlformats.org/drawingml/2006/main" xmlns:r="http://schemas.openxmlformats.org/officeDocument/2006/relationships" xmlns:p="http://schemas.openxmlformats.org/presentationml/2006/main">
+  <p:cSld>
+    <p:spTree>
+      <p:nvGrpSpPr>
+        <p:cNvPr id="1" name=""/>
+        <p:cNvGrpSpPr/>
+        <p:nvPr/>
+      </p:nvGrpSpPr>
+      <p:grpSpPr>
+        <a:xfrm>
+          <a:off x="0" y="0"/>
+          <a:ext cx="0" cy="0"/>
+          <a:chOff x="0" y="0"/>
+          <a:chExt cx="0" cy="0"/>
+        </a:xfrm>
+      </p:grpSpPr>
+      <p:sp>
+        <p:nvSpPr>
+          <p:cNvPr id="4" name="Titel 3"/>
+          <p:cNvSpPr>
+            <a:spLocks noGrp="1"/>
+          </p:cNvSpPr>
+          <p:nvPr>
+            <p:ph type="ctrTitle"/>
+          </p:nvPr>
+        </p:nvSpPr>
+        <p:spPr>
+          <a:xfrm>
+            <a:off x="685800" y="3363838"/>
+            <a:ext cx="7772400" cy="1102519"/>
+          </a:xfrm>
+        </p:spPr>
+        <p:txBody>
+          <a:bodyPr/>
+          <a:lstStyle/>
+          <a:p>
+            <a:r>
+              <a:rPr lang="de-DE" dirty="0" smtClean="0"/>
+              <a:t>Vielen Dank für eure Aufmerksamkeit!!!</a:t>
+            </a:r>
+            <a:endParaRPr lang="de-DE" dirty="0"/>
+          </a:p>
+        </p:txBody>
+      </p:sp>
+      <p:grpSp>
+        <p:nvGrpSpPr>
+          <p:cNvPr id="11" name="Gruppieren 10"/>
+          <p:cNvGrpSpPr/>
+          <p:nvPr/>
+        </p:nvGrpSpPr>
+        <p:grpSpPr>
+          <a:xfrm>
+            <a:off x="3779912" y="1594847"/>
+            <a:ext cx="1584176" cy="1584176"/>
+            <a:chOff x="3563888" y="3219822"/>
+            <a:chExt cx="1584176" cy="1584176"/>
+          </a:xfrm>
+        </p:grpSpPr>
+        <p:sp>
+          <p:nvSpPr>
+            <p:cNvPr id="7" name="Halbbogen 6"/>
+            <p:cNvSpPr/>
+            <p:nvPr/>
+          </p:nvSpPr>
+          <p:spPr>
+            <a:xfrm rot="10800000">
+              <a:off x="3563888" y="3219822"/>
+              <a:ext cx="1584176" cy="1584176"/>
+            </a:xfrm>
+            <a:prstGeom prst="blockArc">
+              <a:avLst>
+                <a:gd name="adj1" fmla="val 11683882"/>
+                <a:gd name="adj2" fmla="val 20656742"/>
+                <a:gd name="adj3" fmla="val 11536"/>
+              </a:avLst>
+            </a:prstGeom>
+            <a:solidFill>
+              <a:schemeClr val="tx1"/>
+            </a:solidFill>
+            <a:ln>
+              <a:noFill/>
+            </a:ln>
+          </p:spPr>
+          <p:style>
+            <a:lnRef idx="2">
+              <a:schemeClr val="accent1">
+                <a:shade val="50000"/>
+              </a:schemeClr>
+            </a:lnRef>
+            <a:fillRef idx="1">
+              <a:schemeClr val="accent1"/>
+            </a:fillRef>
+            <a:effectRef idx="0">
+              <a:schemeClr val="accent1"/>
+            </a:effectRef>
+            <a:fontRef idx="minor">
+              <a:schemeClr val="lt1"/>
+            </a:fontRef>
+          </p:style>
+          <p:txBody>
+            <a:bodyPr rtlCol="0" anchor="ctr"/>
+            <a:lstStyle/>
+            <a:p>
+              <a:pPr algn="ctr"/>
+              <a:endParaRPr lang="de-DE">
+                <a:solidFill>
+                  <a:schemeClr val="tx1"/>
+                </a:solidFill>
+              </a:endParaRPr>
+            </a:p>
+          </p:txBody>
+        </p:sp>
+        <p:grpSp>
+          <p:nvGrpSpPr>
+            <p:cNvPr id="10" name="Gruppieren 9"/>
+            <p:cNvGrpSpPr/>
+            <p:nvPr/>
+          </p:nvGrpSpPr>
+          <p:grpSpPr>
+            <a:xfrm>
+              <a:off x="3854326" y="3651870"/>
+              <a:ext cx="1003298" cy="360040"/>
+              <a:chOff x="3923928" y="3651870"/>
+              <a:chExt cx="1003298" cy="360040"/>
+            </a:xfrm>
+          </p:grpSpPr>
+          <p:sp>
+            <p:nvSpPr>
+              <p:cNvPr id="8" name="Ellipse 7"/>
+              <p:cNvSpPr/>
+              <p:nvPr/>
+            </p:nvSpPr>
+            <p:spPr>
+              <a:xfrm>
+                <a:off x="3923928" y="3651870"/>
+                <a:ext cx="360040" cy="360040"/>
+              </a:xfrm>
+              <a:prstGeom prst="ellipse">
+                <a:avLst/>
+              </a:prstGeom>
+              <a:solidFill>
+                <a:schemeClr val="tx1"/>
+              </a:solidFill>
+              <a:ln>
+                <a:noFill/>
+              </a:ln>
+            </p:spPr>
+            <p:style>
+              <a:lnRef idx="2">
+                <a:schemeClr val="accent1">
+                  <a:shade val="50000"/>
+                </a:schemeClr>
+              </a:lnRef>
+              <a:fillRef idx="1">
+                <a:schemeClr val="accent1"/>
+              </a:fillRef>
+              <a:effectRef idx="0">
+                <a:schemeClr val="accent1"/>
+              </a:effectRef>
+              <a:fontRef idx="minor">
+                <a:schemeClr val="lt1"/>
+              </a:fontRef>
+            </p:style>
+            <p:txBody>
+              <a:bodyPr rtlCol="0" anchor="ctr"/>
+              <a:lstStyle/>
+              <a:p>
+                <a:pPr algn="ctr"/>
+                <a:endParaRPr lang="de-DE"/>
+              </a:p>
+            </p:txBody>
+          </p:sp>
+          <p:sp>
+            <p:nvSpPr>
+              <p:cNvPr id="9" name="Ellipse 8"/>
+              <p:cNvSpPr/>
+              <p:nvPr/>
+            </p:nvSpPr>
+            <p:spPr>
+              <a:xfrm>
+                <a:off x="4567186" y="3651870"/>
+                <a:ext cx="360040" cy="360040"/>
+              </a:xfrm>
+              <a:prstGeom prst="ellipse">
+                <a:avLst/>
+              </a:prstGeom>
+              <a:solidFill>
+                <a:schemeClr val="tx1"/>
+              </a:solidFill>
+              <a:ln>
+                <a:noFill/>
+              </a:ln>
+            </p:spPr>
+            <p:style>
+              <a:lnRef idx="2">
+                <a:schemeClr val="accent1">
+                  <a:shade val="50000"/>
+                </a:schemeClr>
+              </a:lnRef>
+              <a:fillRef idx="1">
+                <a:schemeClr val="accent1"/>
+              </a:fillRef>
+              <a:effectRef idx="0">
+                <a:schemeClr val="accent1"/>
+              </a:effectRef>
+              <a:fontRef idx="minor">
+                <a:schemeClr val="lt1"/>
+              </a:fontRef>
+            </p:style>
+            <p:txBody>
+              <a:bodyPr rtlCol="0" anchor="ctr"/>
+              <a:lstStyle/>
+              <a:p>
+                <a:pPr algn="ctr"/>
+                <a:endParaRPr lang="de-DE"/>
+              </a:p>
+            </p:txBody>
+          </p:sp>
+        </p:grpSp>
+      </p:grpSp>
+    </p:spTree>
+    <p:extLst>
+      <p:ext uri="{BB962C8B-B14F-4D97-AF65-F5344CB8AC3E}">
+        <p14:creationId xmlns:p14="http://schemas.microsoft.com/office/powerpoint/2010/main" val="3447249258"/>
+      </p:ext>
+    </p:extLst>
+  </p:cSld>
+  <p:clrMapOvr>
+    <a:masterClrMapping/>
+  </p:clrMapOvr>
+  <p:timing>
+    <p:tnLst>
+      <p:par>
+        <p:cTn id="1" dur="indefinite" restart="never" nodeType="tmRoot"/>
+      </p:par>
+    </p:tnLst>
+  </p:timing>
+</p:sld>
+</file>
+
+<file path=ppt/slides/slide18.xml><?xml version="1.0" encoding="utf-8"?>
+<p:sld xmlns:a="http://schemas.openxmlformats.org/drawingml/2006/main" xmlns:r="http://schemas.openxmlformats.org/officeDocument/2006/relationships" xmlns:p="http://schemas.openxmlformats.org/presentationml/2006/main" show="0">
+  <p:cSld>
+    <p:spTree>
+      <p:nvGrpSpPr>
+        <p:cNvPr id="1" name=""/>
+        <p:cNvGrpSpPr/>
+        <p:nvPr/>
+      </p:nvGrpSpPr>
+      <p:grpSpPr>
+        <a:xfrm>
+          <a:off x="0" y="0"/>
+          <a:ext cx="0" cy="0"/>
+          <a:chOff x="0" y="0"/>
+          <a:chExt cx="0" cy="0"/>
+        </a:xfrm>
+      </p:grpSpPr>
+      <p:sp>
+        <p:nvSpPr>
+          <p:cNvPr id="2" name="Titel 1"/>
+          <p:cNvSpPr>
+            <a:spLocks noGrp="1"/>
+          </p:cNvSpPr>
+          <p:nvPr>
+            <p:ph type="title"/>
+          </p:nvPr>
+        </p:nvSpPr>
+        <p:spPr/>
+        <p:txBody>
+          <a:bodyPr/>
+          <a:lstStyle/>
+          <a:p>
+            <a:endParaRPr lang="de-DE"/>
+          </a:p>
+        </p:txBody>
+      </p:sp>
+      <p:sp>
+        <p:nvSpPr>
+          <p:cNvPr id="3" name="Inhaltsplatzhalter 2"/>
+          <p:cNvSpPr>
+            <a:spLocks noGrp="1"/>
+          </p:cNvSpPr>
+          <p:nvPr>
+            <p:ph idx="1"/>
+          </p:nvPr>
+        </p:nvSpPr>
+        <p:spPr/>
+        <p:txBody>
+          <a:bodyPr/>
+          <a:lstStyle/>
+          <a:p>
+            <a:endParaRPr lang="de-DE"/>
+          </a:p>
+        </p:txBody>
+      </p:sp>
+    </p:spTree>
+    <p:extLst>
+      <p:ext uri="{BB962C8B-B14F-4D97-AF65-F5344CB8AC3E}">
+        <p14:creationId xmlns:p14="http://schemas.microsoft.com/office/powerpoint/2010/main" val="3390093683"/>
+      </p:ext>
+    </p:extLst>
+  </p:cSld>
+  <p:clrMapOvr>
+    <a:masterClrMapping/>
+  </p:clrMapOvr>
+  <mc:AlternateContent xmlns:mc="http://schemas.openxmlformats.org/markup-compatibility/2006">
+    <mc:Choice xmlns:p14="http://schemas.microsoft.com/office/powerpoint/2010/main" Requires="p14">
+      <p:transition spd="slow" p14:dur="2000"/>
+    </mc:Choice>
+    <mc:Fallback>
+      <p:transition spd="slow"/>
+    </mc:Fallback>
+  </mc:AlternateContent>
   <p:timing>
     <p:tnLst>
       <p:par>
@@ -3469,11 +4100,14 @@
         </p:nvSpPr>
         <p:spPr>
           <a:xfrm>
-            <a:off x="-11010" y="883789"/>
-            <a:ext cx="9407545" cy="1237946"/>
+            <a:off x="-11009" y="883789"/>
+            <a:ext cx="9155010" cy="1237946"/>
           </a:xfrm>
           <a:prstGeom prst="rightArrow">
-            <a:avLst/>
+            <a:avLst>
+              <a:gd name="adj1" fmla="val 50000"/>
+              <a:gd name="adj2" fmla="val 83854"/>
+            </a:avLst>
           </a:prstGeom>
           <a:solidFill>
             <a:schemeClr val="tx1"/>
@@ -3515,12 +4149,18 @@
         </p:nvSpPr>
         <p:spPr>
           <a:xfrm>
-            <a:off x="1011838" y="1333485"/>
-            <a:ext cx="309212" cy="3810015"/>
+            <a:off x="748256" y="1333485"/>
+            <a:ext cx="309212" cy="2278214"/>
           </a:xfrm>
           <a:prstGeom prst="rect">
             <a:avLst/>
           </a:prstGeom>
+          <a:solidFill>
+            <a:schemeClr val="bg2">
+              <a:lumMod val="90000"/>
+              <a:lumOff val="10000"/>
+            </a:schemeClr>
+          </a:solidFill>
           <a:ln>
             <a:noFill/>
           </a:ln>
@@ -3552,14 +4192,14 @@
       </p:sp>
       <p:sp>
         <p:nvSpPr>
-          <p:cNvPr id="17" name="Ellipse 16"/>
+          <p:cNvPr id="19" name="Ellipse 18"/>
           <p:cNvSpPr/>
           <p:nvPr/>
         </p:nvSpPr>
         <p:spPr>
           <a:xfrm>
-            <a:off x="851874" y="2355726"/>
-            <a:ext cx="635496" cy="635496"/>
+            <a:off x="651882" y="1251782"/>
+            <a:ext cx="501960" cy="501960"/>
           </a:xfrm>
           <a:prstGeom prst="ellipse">
             <a:avLst/>
@@ -3567,9 +4207,12 @@
           <a:solidFill>
             <a:schemeClr val="bg2"/>
           </a:solidFill>
-          <a:ln w="38100">
+          <a:ln w="76200">
             <a:solidFill>
-              <a:schemeClr val="tx1"/>
+              <a:schemeClr val="bg2">
+                <a:lumMod val="90000"/>
+                <a:lumOff val="10000"/>
+              </a:schemeClr>
             </a:solidFill>
           </a:ln>
         </p:spPr>
@@ -3600,14 +4243,83 @@
       </p:sp>
       <p:sp>
         <p:nvSpPr>
-          <p:cNvPr id="19" name="Ellipse 18"/>
+          <p:cNvPr id="29" name="Textfeld 28"/>
+          <p:cNvSpPr txBox="1"/>
+          <p:nvPr/>
+        </p:nvSpPr>
+        <p:spPr>
+          <a:xfrm>
+            <a:off x="-11010" y="510971"/>
+            <a:ext cx="1827744" cy="646331"/>
+          </a:xfrm>
+          <a:prstGeom prst="rect">
+            <a:avLst/>
+          </a:prstGeom>
+          <a:noFill/>
+        </p:spPr>
+        <p:txBody>
+          <a:bodyPr wrap="square" rtlCol="0">
+            <a:spAutoFit/>
+          </a:bodyPr>
+          <a:lstStyle/>
+          <a:p>
+            <a:pPr algn="ctr"/>
+            <a:r>
+              <a:rPr lang="de-DE" dirty="0" smtClean="0">
+                <a:effectLst/>
+              </a:rPr>
+              <a:t>Geometrischer Zugang</a:t>
+            </a:r>
+            <a:endParaRPr lang="de-DE" dirty="0">
+              <a:effectLst/>
+            </a:endParaRPr>
+          </a:p>
+        </p:txBody>
+      </p:sp>
+      <p:sp>
+        <p:nvSpPr>
+          <p:cNvPr id="32" name="Textfeld 31"/>
+          <p:cNvSpPr txBox="1"/>
+          <p:nvPr/>
+        </p:nvSpPr>
+        <p:spPr>
+          <a:xfrm>
+            <a:off x="1153842" y="2192173"/>
+            <a:ext cx="1649819" cy="338554"/>
+          </a:xfrm>
+          <a:prstGeom prst="rect">
+            <a:avLst/>
+          </a:prstGeom>
+          <a:noFill/>
+        </p:spPr>
+        <p:txBody>
+          <a:bodyPr wrap="square" rtlCol="0">
+            <a:spAutoFit/>
+          </a:bodyPr>
+          <a:lstStyle/>
+          <a:p>
+            <a:r>
+              <a:rPr lang="de-DE" sz="1600" dirty="0" smtClean="0">
+                <a:effectLst/>
+              </a:rPr>
+              <a:t>Konstruktion</a:t>
+            </a:r>
+            <a:endParaRPr lang="de-DE" sz="1600" dirty="0">
+              <a:effectLst/>
+            </a:endParaRPr>
+          </a:p>
+        </p:txBody>
+      </p:sp>
+      <p:sp>
+        <p:nvSpPr>
+          <p:cNvPr id="13" name="Ellipse 12"/>
           <p:cNvSpPr/>
           <p:nvPr/>
         </p:nvSpPr>
         <p:spPr>
           <a:xfrm>
-            <a:off x="685664" y="1018804"/>
-            <a:ext cx="967916" cy="967916"/>
+            <a:off x="714647" y="2173235"/>
+            <a:ext cx="376430" cy="376430"/>
           </a:xfrm>
           <a:prstGeom prst="ellipse">
             <a:avLst/>
@@ -3615,9 +4327,12 @@
           <a:solidFill>
             <a:schemeClr val="bg2"/>
           </a:solidFill>
-          <a:ln w="38100">
+          <a:ln w="76200">
             <a:solidFill>
-              <a:schemeClr val="tx1"/>
+              <a:schemeClr val="bg2">
+                <a:lumMod val="90000"/>
+                <a:lumOff val="10000"/>
+              </a:schemeClr>
             </a:solidFill>
           </a:ln>
         </p:spPr>
@@ -3648,14 +4363,14 @@
       </p:sp>
       <p:sp>
         <p:nvSpPr>
-          <p:cNvPr id="29" name="Textfeld 28"/>
+          <p:cNvPr id="20" name="Textfeld 19"/>
           <p:cNvSpPr txBox="1"/>
           <p:nvPr/>
         </p:nvSpPr>
         <p:spPr>
           <a:xfrm>
-            <a:off x="194336" y="649472"/>
-            <a:ext cx="1944216" cy="369332"/>
+            <a:off x="1153842" y="2821945"/>
+            <a:ext cx="1649819" cy="338554"/>
           </a:xfrm>
           <a:prstGeom prst="rect">
             <a:avLst/>
@@ -3668,14 +4383,13 @@
           </a:bodyPr>
           <a:lstStyle/>
           <a:p>
-            <a:pPr algn="ctr"/>
             <a:r>
-              <a:rPr lang="de-DE" dirty="0" smtClean="0">
+              <a:rPr lang="de-DE" sz="1600" dirty="0" smtClean="0">
                 <a:effectLst/>
               </a:rPr>
               <a:t>Definition</a:t>
             </a:r>
-            <a:endParaRPr lang="de-DE" dirty="0">
+            <a:endParaRPr lang="de-DE" sz="1600" dirty="0">
               <a:effectLst/>
             </a:endParaRPr>
           </a:p>
@@ -3683,52 +4397,75 @@
       </p:sp>
       <p:sp>
         <p:nvSpPr>
-          <p:cNvPr id="32" name="Textfeld 31"/>
-          <p:cNvSpPr txBox="1"/>
+          <p:cNvPr id="21" name="Ellipse 20"/>
+          <p:cNvSpPr/>
           <p:nvPr/>
         </p:nvSpPr>
         <p:spPr>
           <a:xfrm>
-            <a:off x="1524979" y="2488808"/>
-            <a:ext cx="1944216" cy="369332"/>
+            <a:off x="714647" y="2803007"/>
+            <a:ext cx="376430" cy="376430"/>
+          </a:xfrm>
+          <a:prstGeom prst="ellipse">
+            <a:avLst/>
+          </a:prstGeom>
+          <a:solidFill>
+            <a:schemeClr val="bg2"/>
+          </a:solidFill>
+          <a:ln w="76200">
+            <a:solidFill>
+              <a:schemeClr val="bg2">
+                <a:lumMod val="90000"/>
+                <a:lumOff val="10000"/>
+              </a:schemeClr>
+            </a:solidFill>
+          </a:ln>
+        </p:spPr>
+        <p:style>
+          <a:lnRef idx="2">
+            <a:schemeClr val="accent1">
+              <a:shade val="50000"/>
+            </a:schemeClr>
+          </a:lnRef>
+          <a:fillRef idx="1">
+            <a:schemeClr val="accent1"/>
+          </a:fillRef>
+          <a:effectRef idx="0">
+            <a:schemeClr val="accent1"/>
+          </a:effectRef>
+          <a:fontRef idx="minor">
+            <a:schemeClr val="lt1"/>
+          </a:fontRef>
+        </p:style>
+        <p:txBody>
+          <a:bodyPr rtlCol="0" anchor="ctr"/>
+          <a:lstStyle/>
+          <a:p>
+            <a:pPr algn="ctr"/>
+            <a:endParaRPr lang="de-DE" dirty="0"/>
+          </a:p>
+        </p:txBody>
+      </p:sp>
+      <p:sp>
+        <p:nvSpPr>
+          <p:cNvPr id="25" name="Rechteck 24"/>
+          <p:cNvSpPr/>
+          <p:nvPr/>
+        </p:nvSpPr>
+        <p:spPr>
+          <a:xfrm>
+            <a:off x="2978358" y="1333485"/>
+            <a:ext cx="309212" cy="2278214"/>
           </a:xfrm>
           <a:prstGeom prst="rect">
             <a:avLst/>
           </a:prstGeom>
-          <a:noFill/>
-        </p:spPr>
-        <p:txBody>
-          <a:bodyPr wrap="square" rtlCol="0">
-            <a:spAutoFit/>
-          </a:bodyPr>
-          <a:lstStyle/>
-          <a:p>
-            <a:r>
-              <a:rPr lang="de-DE" dirty="0" smtClean="0">
-                <a:effectLst/>
-              </a:rPr>
-              <a:t>Konstruktion</a:t>
-            </a:r>
-            <a:endParaRPr lang="de-DE" dirty="0">
-              <a:effectLst/>
-            </a:endParaRPr>
-          </a:p>
-        </p:txBody>
-      </p:sp>
-      <p:sp>
-        <p:nvSpPr>
-          <p:cNvPr id="35" name="Rechteck 34"/>
-          <p:cNvSpPr/>
-          <p:nvPr/>
-        </p:nvSpPr>
-        <p:spPr>
-          <a:xfrm>
-            <a:off x="3469195" y="1333485"/>
-            <a:ext cx="309212" cy="3810015"/>
-          </a:xfrm>
-          <a:prstGeom prst="rect">
-            <a:avLst/>
-          </a:prstGeom>
+          <a:solidFill>
+            <a:schemeClr val="bg2">
+              <a:lumMod val="90000"/>
+              <a:lumOff val="10000"/>
+            </a:schemeClr>
+          </a:solidFill>
           <a:ln>
             <a:noFill/>
           </a:ln>
@@ -3760,14 +4497,14 @@
       </p:sp>
       <p:sp>
         <p:nvSpPr>
-          <p:cNvPr id="36" name="Ellipse 35"/>
+          <p:cNvPr id="26" name="Ellipse 25"/>
           <p:cNvSpPr/>
           <p:nvPr/>
         </p:nvSpPr>
         <p:spPr>
           <a:xfrm>
-            <a:off x="3309231" y="2355726"/>
-            <a:ext cx="635496" cy="635496"/>
+            <a:off x="2881984" y="1251782"/>
+            <a:ext cx="501960" cy="501960"/>
           </a:xfrm>
           <a:prstGeom prst="ellipse">
             <a:avLst/>
@@ -3775,9 +4512,12 @@
           <a:solidFill>
             <a:schemeClr val="bg2"/>
           </a:solidFill>
-          <a:ln w="38100">
+          <a:ln w="76200">
             <a:solidFill>
-              <a:schemeClr val="tx1"/>
+              <a:schemeClr val="bg2">
+                <a:lumMod val="90000"/>
+                <a:lumOff val="10000"/>
+              </a:schemeClr>
             </a:solidFill>
           </a:ln>
         </p:spPr>
@@ -3808,14 +4548,14 @@
       </p:sp>
       <p:sp>
         <p:nvSpPr>
-          <p:cNvPr id="37" name="Ellipse 36"/>
+          <p:cNvPr id="27" name="Ellipse 26"/>
           <p:cNvSpPr/>
           <p:nvPr/>
         </p:nvSpPr>
         <p:spPr>
           <a:xfrm>
-            <a:off x="3143021" y="1018804"/>
-            <a:ext cx="967916" cy="967916"/>
+            <a:off x="2944749" y="2173235"/>
+            <a:ext cx="376430" cy="376430"/>
           </a:xfrm>
           <a:prstGeom prst="ellipse">
             <a:avLst/>
@@ -3823,9 +4563,12 @@
           <a:solidFill>
             <a:schemeClr val="bg2"/>
           </a:solidFill>
-          <a:ln w="38100">
+          <a:ln w="76200">
             <a:solidFill>
-              <a:schemeClr val="tx1"/>
+              <a:schemeClr val="bg2">
+                <a:lumMod val="90000"/>
+                <a:lumOff val="10000"/>
+              </a:schemeClr>
             </a:solidFill>
           </a:ln>
         </p:spPr>
@@ -3856,14 +4599,65 @@
       </p:sp>
       <p:sp>
         <p:nvSpPr>
-          <p:cNvPr id="38" name="Textfeld 37"/>
+          <p:cNvPr id="28" name="Ellipse 27"/>
+          <p:cNvSpPr/>
+          <p:nvPr/>
+        </p:nvSpPr>
+        <p:spPr>
+          <a:xfrm>
+            <a:off x="2944749" y="2803007"/>
+            <a:ext cx="376430" cy="376430"/>
+          </a:xfrm>
+          <a:prstGeom prst="ellipse">
+            <a:avLst/>
+          </a:prstGeom>
+          <a:solidFill>
+            <a:schemeClr val="bg2"/>
+          </a:solidFill>
+          <a:ln w="76200">
+            <a:solidFill>
+              <a:schemeClr val="bg2">
+                <a:lumMod val="90000"/>
+                <a:lumOff val="10000"/>
+              </a:schemeClr>
+            </a:solidFill>
+          </a:ln>
+        </p:spPr>
+        <p:style>
+          <a:lnRef idx="2">
+            <a:schemeClr val="accent1">
+              <a:shade val="50000"/>
+            </a:schemeClr>
+          </a:lnRef>
+          <a:fillRef idx="1">
+            <a:schemeClr val="accent1"/>
+          </a:fillRef>
+          <a:effectRef idx="0">
+            <a:schemeClr val="accent1"/>
+          </a:effectRef>
+          <a:fontRef idx="minor">
+            <a:schemeClr val="lt1"/>
+          </a:fontRef>
+        </p:style>
+        <p:txBody>
+          <a:bodyPr rtlCol="0" anchor="ctr"/>
+          <a:lstStyle/>
+          <a:p>
+            <a:pPr algn="ctr"/>
+            <a:endParaRPr lang="de-DE" dirty="0"/>
+          </a:p>
+        </p:txBody>
+      </p:sp>
+      <p:sp>
+        <p:nvSpPr>
+          <p:cNvPr id="30" name="Textfeld 29"/>
           <p:cNvSpPr txBox="1"/>
           <p:nvPr/>
         </p:nvSpPr>
         <p:spPr>
           <a:xfrm>
-            <a:off x="2651693" y="649472"/>
-            <a:ext cx="1944216" cy="369332"/>
+            <a:off x="3382837" y="2192173"/>
+            <a:ext cx="1944216" cy="338554"/>
           </a:xfrm>
           <a:prstGeom prst="rect">
             <a:avLst/>
@@ -3876,14 +4670,13 @@
           </a:bodyPr>
           <a:lstStyle/>
           <a:p>
-            <a:pPr algn="ctr"/>
             <a:r>
-              <a:rPr lang="de-DE" dirty="0" smtClean="0">
+              <a:rPr lang="de-DE" sz="1600" dirty="0" smtClean="0">
                 <a:effectLst/>
               </a:rPr>
-              <a:t>Doppelverhältnis</a:t>
+              <a:t>Teilverhältnis</a:t>
             </a:r>
-            <a:endParaRPr lang="de-DE" dirty="0">
+            <a:endParaRPr lang="de-DE" sz="1600" dirty="0">
               <a:effectLst/>
             </a:endParaRPr>
           </a:p>
@@ -3891,14 +4684,14 @@
       </p:sp>
       <p:sp>
         <p:nvSpPr>
-          <p:cNvPr id="39" name="Textfeld 38"/>
+          <p:cNvPr id="34" name="Textfeld 33"/>
           <p:cNvSpPr txBox="1"/>
           <p:nvPr/>
         </p:nvSpPr>
         <p:spPr>
           <a:xfrm>
-            <a:off x="3982336" y="2488808"/>
-            <a:ext cx="1944216" cy="369332"/>
+            <a:off x="3383944" y="2821945"/>
+            <a:ext cx="1944216" cy="338554"/>
           </a:xfrm>
           <a:prstGeom prst="rect">
             <a:avLst/>
@@ -3912,10 +4705,548 @@
           <a:lstStyle/>
           <a:p>
             <a:r>
+              <a:rPr lang="de-DE" sz="1600" dirty="0" smtClean="0">
+                <a:effectLst/>
+              </a:rPr>
+              <a:t>Doppelverhältnis</a:t>
+            </a:r>
+            <a:endParaRPr lang="de-DE" sz="1600" dirty="0">
+              <a:effectLst/>
+            </a:endParaRPr>
+          </a:p>
+        </p:txBody>
+      </p:sp>
+      <p:sp>
+        <p:nvSpPr>
+          <p:cNvPr id="41" name="Textfeld 40"/>
+          <p:cNvSpPr txBox="1"/>
+          <p:nvPr/>
+        </p:nvSpPr>
+        <p:spPr>
+          <a:xfrm>
+            <a:off x="2219092" y="510971"/>
+            <a:ext cx="1827744" cy="646331"/>
+          </a:xfrm>
+          <a:prstGeom prst="rect">
+            <a:avLst/>
+          </a:prstGeom>
+          <a:noFill/>
+        </p:spPr>
+        <p:txBody>
+          <a:bodyPr wrap="square" rtlCol="0">
+            <a:spAutoFit/>
+          </a:bodyPr>
+          <a:lstStyle/>
+          <a:p>
+            <a:pPr algn="ctr"/>
+            <a:r>
               <a:rPr lang="de-DE" dirty="0" smtClean="0">
                 <a:effectLst/>
               </a:rPr>
-              <a:t>Teilverhältnis</a:t>
+              <a:t>Rechnerischer Zugang</a:t>
+            </a:r>
+            <a:endParaRPr lang="de-DE" dirty="0">
+              <a:effectLst/>
+            </a:endParaRPr>
+          </a:p>
+        </p:txBody>
+      </p:sp>
+      <p:sp>
+        <p:nvSpPr>
+          <p:cNvPr id="48" name="Rechteck 47"/>
+          <p:cNvSpPr/>
+          <p:nvPr/>
+        </p:nvSpPr>
+        <p:spPr>
+          <a:xfrm>
+            <a:off x="928278" y="3456899"/>
+            <a:ext cx="2204685" cy="309600"/>
+          </a:xfrm>
+          <a:prstGeom prst="rect">
+            <a:avLst/>
+          </a:prstGeom>
+          <a:solidFill>
+            <a:schemeClr val="bg2">
+              <a:lumMod val="50000"/>
+              <a:lumOff val="50000"/>
+            </a:schemeClr>
+          </a:solidFill>
+          <a:ln>
+            <a:noFill/>
+          </a:ln>
+        </p:spPr>
+        <p:style>
+          <a:lnRef idx="2">
+            <a:schemeClr val="dk1">
+              <a:shade val="50000"/>
+            </a:schemeClr>
+          </a:lnRef>
+          <a:fillRef idx="1">
+            <a:schemeClr val="dk1"/>
+          </a:fillRef>
+          <a:effectRef idx="0">
+            <a:schemeClr val="dk1"/>
+          </a:effectRef>
+          <a:fontRef idx="minor">
+            <a:schemeClr val="lt1"/>
+          </a:fontRef>
+        </p:style>
+        <p:txBody>
+          <a:bodyPr rtlCol="0" anchor="ctr"/>
+          <a:lstStyle/>
+          <a:p>
+            <a:pPr algn="ctr"/>
+            <a:endParaRPr lang="de-DE"/>
+          </a:p>
+        </p:txBody>
+      </p:sp>
+      <p:sp>
+        <p:nvSpPr>
+          <p:cNvPr id="43" name="Textfeld 42"/>
+          <p:cNvSpPr txBox="1"/>
+          <p:nvPr/>
+        </p:nvSpPr>
+        <p:spPr>
+          <a:xfrm>
+            <a:off x="1057468" y="3446269"/>
+            <a:ext cx="1920890" cy="330860"/>
+          </a:xfrm>
+          <a:prstGeom prst="rect">
+            <a:avLst/>
+          </a:prstGeom>
+          <a:noFill/>
+        </p:spPr>
+        <p:txBody>
+          <a:bodyPr wrap="square" rtlCol="0">
+            <a:spAutoFit/>
+          </a:bodyPr>
+          <a:lstStyle/>
+          <a:p>
+            <a:pPr algn="ctr"/>
+            <a:r>
+              <a:rPr lang="de-DE" sz="1550" dirty="0" smtClean="0">
+                <a:solidFill>
+                  <a:schemeClr val="bg2">
+                    <a:lumMod val="90000"/>
+                    <a:lumOff val="10000"/>
+                  </a:schemeClr>
+                </a:solidFill>
+                <a:effectLst/>
+              </a:rPr>
+              <a:t>Projektive Invariante</a:t>
+            </a:r>
+            <a:endParaRPr lang="de-DE" sz="1550" dirty="0">
+              <a:solidFill>
+                <a:schemeClr val="bg2">
+                  <a:lumMod val="90000"/>
+                  <a:lumOff val="10000"/>
+                </a:schemeClr>
+              </a:solidFill>
+              <a:effectLst/>
+            </a:endParaRPr>
+          </a:p>
+        </p:txBody>
+      </p:sp>
+      <p:sp>
+        <p:nvSpPr>
+          <p:cNvPr id="44" name="Ellipse 43"/>
+          <p:cNvSpPr/>
+          <p:nvPr/>
+        </p:nvSpPr>
+        <p:spPr>
+          <a:xfrm>
+            <a:off x="714647" y="3423484"/>
+            <a:ext cx="376430" cy="376430"/>
+          </a:xfrm>
+          <a:prstGeom prst="ellipse">
+            <a:avLst/>
+          </a:prstGeom>
+          <a:solidFill>
+            <a:schemeClr val="bg2"/>
+          </a:solidFill>
+          <a:ln w="76200">
+            <a:solidFill>
+              <a:schemeClr val="bg2">
+                <a:lumMod val="50000"/>
+                <a:lumOff val="50000"/>
+              </a:schemeClr>
+            </a:solidFill>
+          </a:ln>
+        </p:spPr>
+        <p:style>
+          <a:lnRef idx="2">
+            <a:schemeClr val="accent1">
+              <a:shade val="50000"/>
+            </a:schemeClr>
+          </a:lnRef>
+          <a:fillRef idx="1">
+            <a:schemeClr val="accent1"/>
+          </a:fillRef>
+          <a:effectRef idx="0">
+            <a:schemeClr val="accent1"/>
+          </a:effectRef>
+          <a:fontRef idx="minor">
+            <a:schemeClr val="lt1"/>
+          </a:fontRef>
+        </p:style>
+        <p:txBody>
+          <a:bodyPr rtlCol="0" anchor="ctr"/>
+          <a:lstStyle/>
+          <a:p>
+            <a:pPr algn="ctr"/>
+            <a:endParaRPr lang="de-DE" dirty="0"/>
+          </a:p>
+        </p:txBody>
+      </p:sp>
+      <p:sp>
+        <p:nvSpPr>
+          <p:cNvPr id="47" name="Ellipse 46"/>
+          <p:cNvSpPr/>
+          <p:nvPr/>
+        </p:nvSpPr>
+        <p:spPr>
+          <a:xfrm>
+            <a:off x="2950210" y="3423484"/>
+            <a:ext cx="376430" cy="376430"/>
+          </a:xfrm>
+          <a:prstGeom prst="ellipse">
+            <a:avLst/>
+          </a:prstGeom>
+          <a:solidFill>
+            <a:schemeClr val="bg2"/>
+          </a:solidFill>
+          <a:ln w="76200">
+            <a:solidFill>
+              <a:schemeClr val="bg2">
+                <a:lumMod val="50000"/>
+                <a:lumOff val="50000"/>
+              </a:schemeClr>
+            </a:solidFill>
+          </a:ln>
+        </p:spPr>
+        <p:style>
+          <a:lnRef idx="2">
+            <a:schemeClr val="accent1">
+              <a:shade val="50000"/>
+            </a:schemeClr>
+          </a:lnRef>
+          <a:fillRef idx="1">
+            <a:schemeClr val="accent1"/>
+          </a:fillRef>
+          <a:effectRef idx="0">
+            <a:schemeClr val="accent1"/>
+          </a:effectRef>
+          <a:fontRef idx="minor">
+            <a:schemeClr val="lt1"/>
+          </a:fontRef>
+        </p:style>
+        <p:txBody>
+          <a:bodyPr rtlCol="0" anchor="ctr"/>
+          <a:lstStyle/>
+          <a:p>
+            <a:pPr algn="ctr"/>
+            <a:endParaRPr lang="de-DE" dirty="0"/>
+          </a:p>
+        </p:txBody>
+      </p:sp>
+      <p:sp>
+        <p:nvSpPr>
+          <p:cNvPr id="76" name="Rechteck 75"/>
+          <p:cNvSpPr/>
+          <p:nvPr/>
+        </p:nvSpPr>
+        <p:spPr>
+          <a:xfrm>
+            <a:off x="5619507" y="1333485"/>
+            <a:ext cx="309212" cy="1657737"/>
+          </a:xfrm>
+          <a:prstGeom prst="rect">
+            <a:avLst/>
+          </a:prstGeom>
+          <a:solidFill>
+            <a:schemeClr val="bg2">
+              <a:lumMod val="90000"/>
+              <a:lumOff val="10000"/>
+            </a:schemeClr>
+          </a:solidFill>
+          <a:ln>
+            <a:noFill/>
+          </a:ln>
+        </p:spPr>
+        <p:style>
+          <a:lnRef idx="2">
+            <a:schemeClr val="dk1">
+              <a:shade val="50000"/>
+            </a:schemeClr>
+          </a:lnRef>
+          <a:fillRef idx="1">
+            <a:schemeClr val="dk1"/>
+          </a:fillRef>
+          <a:effectRef idx="0">
+            <a:schemeClr val="dk1"/>
+          </a:effectRef>
+          <a:fontRef idx="minor">
+            <a:schemeClr val="lt1"/>
+          </a:fontRef>
+        </p:style>
+        <p:txBody>
+          <a:bodyPr rtlCol="0" anchor="ctr"/>
+          <a:lstStyle/>
+          <a:p>
+            <a:pPr algn="ctr"/>
+            <a:endParaRPr lang="de-DE"/>
+          </a:p>
+        </p:txBody>
+      </p:sp>
+      <p:sp>
+        <p:nvSpPr>
+          <p:cNvPr id="77" name="Ellipse 76"/>
+          <p:cNvSpPr/>
+          <p:nvPr/>
+        </p:nvSpPr>
+        <p:spPr>
+          <a:xfrm>
+            <a:off x="5523133" y="1251782"/>
+            <a:ext cx="501960" cy="501960"/>
+          </a:xfrm>
+          <a:prstGeom prst="ellipse">
+            <a:avLst/>
+          </a:prstGeom>
+          <a:solidFill>
+            <a:schemeClr val="bg2"/>
+          </a:solidFill>
+          <a:ln w="76200">
+            <a:solidFill>
+              <a:schemeClr val="bg2">
+                <a:lumMod val="90000"/>
+                <a:lumOff val="10000"/>
+              </a:schemeClr>
+            </a:solidFill>
+          </a:ln>
+        </p:spPr>
+        <p:style>
+          <a:lnRef idx="2">
+            <a:schemeClr val="accent1">
+              <a:shade val="50000"/>
+            </a:schemeClr>
+          </a:lnRef>
+          <a:fillRef idx="1">
+            <a:schemeClr val="accent1"/>
+          </a:fillRef>
+          <a:effectRef idx="0">
+            <a:schemeClr val="accent1"/>
+          </a:effectRef>
+          <a:fontRef idx="minor">
+            <a:schemeClr val="lt1"/>
+          </a:fontRef>
+        </p:style>
+        <p:txBody>
+          <a:bodyPr rtlCol="0" anchor="ctr"/>
+          <a:lstStyle/>
+          <a:p>
+            <a:pPr algn="ctr"/>
+            <a:endParaRPr lang="de-DE" dirty="0"/>
+          </a:p>
+        </p:txBody>
+      </p:sp>
+      <p:sp>
+        <p:nvSpPr>
+          <p:cNvPr id="78" name="Ellipse 77"/>
+          <p:cNvSpPr/>
+          <p:nvPr/>
+        </p:nvSpPr>
+        <p:spPr>
+          <a:xfrm>
+            <a:off x="5585898" y="2173235"/>
+            <a:ext cx="376430" cy="376430"/>
+          </a:xfrm>
+          <a:prstGeom prst="ellipse">
+            <a:avLst/>
+          </a:prstGeom>
+          <a:solidFill>
+            <a:schemeClr val="bg2"/>
+          </a:solidFill>
+          <a:ln w="76200">
+            <a:solidFill>
+              <a:schemeClr val="bg2">
+                <a:lumMod val="90000"/>
+                <a:lumOff val="10000"/>
+              </a:schemeClr>
+            </a:solidFill>
+          </a:ln>
+        </p:spPr>
+        <p:style>
+          <a:lnRef idx="2">
+            <a:schemeClr val="accent1">
+              <a:shade val="50000"/>
+            </a:schemeClr>
+          </a:lnRef>
+          <a:fillRef idx="1">
+            <a:schemeClr val="accent1"/>
+          </a:fillRef>
+          <a:effectRef idx="0">
+            <a:schemeClr val="accent1"/>
+          </a:effectRef>
+          <a:fontRef idx="minor">
+            <a:schemeClr val="lt1"/>
+          </a:fontRef>
+        </p:style>
+        <p:txBody>
+          <a:bodyPr rtlCol="0" anchor="ctr"/>
+          <a:lstStyle/>
+          <a:p>
+            <a:pPr algn="ctr"/>
+            <a:endParaRPr lang="de-DE" dirty="0"/>
+          </a:p>
+        </p:txBody>
+      </p:sp>
+      <p:sp>
+        <p:nvSpPr>
+          <p:cNvPr id="79" name="Ellipse 78"/>
+          <p:cNvSpPr/>
+          <p:nvPr/>
+        </p:nvSpPr>
+        <p:spPr>
+          <a:xfrm>
+            <a:off x="5585898" y="2803007"/>
+            <a:ext cx="376430" cy="376430"/>
+          </a:xfrm>
+          <a:prstGeom prst="ellipse">
+            <a:avLst/>
+          </a:prstGeom>
+          <a:solidFill>
+            <a:schemeClr val="bg2"/>
+          </a:solidFill>
+          <a:ln w="76200">
+            <a:solidFill>
+              <a:schemeClr val="bg2">
+                <a:lumMod val="90000"/>
+                <a:lumOff val="10000"/>
+              </a:schemeClr>
+            </a:solidFill>
+          </a:ln>
+        </p:spPr>
+        <p:style>
+          <a:lnRef idx="2">
+            <a:schemeClr val="accent1">
+              <a:shade val="50000"/>
+            </a:schemeClr>
+          </a:lnRef>
+          <a:fillRef idx="1">
+            <a:schemeClr val="accent1"/>
+          </a:fillRef>
+          <a:effectRef idx="0">
+            <a:schemeClr val="accent1"/>
+          </a:effectRef>
+          <a:fontRef idx="minor">
+            <a:schemeClr val="lt1"/>
+          </a:fontRef>
+        </p:style>
+        <p:txBody>
+          <a:bodyPr rtlCol="0" anchor="ctr"/>
+          <a:lstStyle/>
+          <a:p>
+            <a:pPr algn="ctr"/>
+            <a:endParaRPr lang="de-DE" dirty="0"/>
+          </a:p>
+        </p:txBody>
+      </p:sp>
+      <p:sp>
+        <p:nvSpPr>
+          <p:cNvPr id="80" name="Textfeld 79"/>
+          <p:cNvSpPr txBox="1"/>
+          <p:nvPr/>
+        </p:nvSpPr>
+        <p:spPr>
+          <a:xfrm>
+            <a:off x="6023986" y="2192173"/>
+            <a:ext cx="1944216" cy="338554"/>
+          </a:xfrm>
+          <a:prstGeom prst="rect">
+            <a:avLst/>
+          </a:prstGeom>
+          <a:noFill/>
+        </p:spPr>
+        <p:txBody>
+          <a:bodyPr wrap="square" rtlCol="0">
+            <a:spAutoFit/>
+          </a:bodyPr>
+          <a:lstStyle/>
+          <a:p>
+            <a:r>
+              <a:rPr lang="de-DE" sz="1600" dirty="0" smtClean="0">
+                <a:effectLst/>
+              </a:rPr>
+              <a:t>Zentralperspektive</a:t>
+            </a:r>
+            <a:endParaRPr lang="de-DE" sz="1600" dirty="0">
+              <a:effectLst/>
+            </a:endParaRPr>
+          </a:p>
+        </p:txBody>
+      </p:sp>
+      <p:sp>
+        <p:nvSpPr>
+          <p:cNvPr id="81" name="Textfeld 80"/>
+          <p:cNvSpPr txBox="1"/>
+          <p:nvPr/>
+        </p:nvSpPr>
+        <p:spPr>
+          <a:xfrm>
+            <a:off x="6025093" y="2821945"/>
+            <a:ext cx="1944216" cy="338554"/>
+          </a:xfrm>
+          <a:prstGeom prst="rect">
+            <a:avLst/>
+          </a:prstGeom>
+          <a:noFill/>
+        </p:spPr>
+        <p:txBody>
+          <a:bodyPr wrap="square" rtlCol="0">
+            <a:spAutoFit/>
+          </a:bodyPr>
+          <a:lstStyle/>
+          <a:p>
+            <a:r>
+              <a:rPr lang="de-DE" sz="1600" dirty="0" smtClean="0">
+                <a:effectLst/>
+              </a:rPr>
+              <a:t>Layout Gestaltung</a:t>
+            </a:r>
+            <a:endParaRPr lang="de-DE" sz="1600" dirty="0">
+              <a:effectLst/>
+            </a:endParaRPr>
+          </a:p>
+        </p:txBody>
+      </p:sp>
+      <p:sp>
+        <p:nvSpPr>
+          <p:cNvPr id="82" name="Textfeld 81"/>
+          <p:cNvSpPr txBox="1"/>
+          <p:nvPr/>
+        </p:nvSpPr>
+        <p:spPr>
+          <a:xfrm>
+            <a:off x="4860241" y="649470"/>
+            <a:ext cx="1827744" cy="369332"/>
+          </a:xfrm>
+          <a:prstGeom prst="rect">
+            <a:avLst/>
+          </a:prstGeom>
+          <a:noFill/>
+        </p:spPr>
+        <p:txBody>
+          <a:bodyPr wrap="square" rtlCol="0">
+            <a:spAutoFit/>
+          </a:bodyPr>
+          <a:lstStyle/>
+          <a:p>
+            <a:pPr algn="ctr"/>
+            <a:r>
+              <a:rPr lang="de-DE" dirty="0" smtClean="0">
+                <a:effectLst/>
+              </a:rPr>
+              <a:t>In der Gestaltung</a:t>
             </a:r>
             <a:endParaRPr lang="de-DE" dirty="0">
               <a:effectLst/>
@@ -3960,6 +5291,173 @@
           <a:chExt cx="0" cy="0"/>
         </a:xfrm>
       </p:grpSpPr>
+      <p:sp>
+        <p:nvSpPr>
+          <p:cNvPr id="4" name="Titel 3"/>
+          <p:cNvSpPr>
+            <a:spLocks noGrp="1"/>
+          </p:cNvSpPr>
+          <p:nvPr>
+            <p:ph type="ctrTitle"/>
+          </p:nvPr>
+        </p:nvSpPr>
+        <p:spPr/>
+        <p:txBody>
+          <a:bodyPr/>
+          <a:lstStyle/>
+          <a:p>
+            <a:r>
+              <a:rPr lang="de-DE" dirty="0" smtClean="0"/>
+              <a:t>Harmonische Lage geometrisch</a:t>
+            </a:r>
+            <a:endParaRPr lang="de-DE" dirty="0"/>
+          </a:p>
+        </p:txBody>
+      </p:sp>
+    </p:spTree>
+    <p:extLst>
+      <p:ext uri="{BB962C8B-B14F-4D97-AF65-F5344CB8AC3E}">
+        <p14:creationId xmlns:p14="http://schemas.microsoft.com/office/powerpoint/2010/main" val="3162808009"/>
+      </p:ext>
+    </p:extLst>
+  </p:cSld>
+  <p:clrMapOvr>
+    <a:masterClrMapping/>
+  </p:clrMapOvr>
+  <p:timing>
+    <p:tnLst>
+      <p:par>
+        <p:cTn id="1" dur="indefinite" restart="never" nodeType="tmRoot"/>
+      </p:par>
+    </p:tnLst>
+  </p:timing>
+</p:sld>
+</file>
+
+<file path=ppt/slides/slide4.xml><?xml version="1.0" encoding="utf-8"?>
+<p:sld xmlns:a="http://schemas.openxmlformats.org/drawingml/2006/main" xmlns:r="http://schemas.openxmlformats.org/officeDocument/2006/relationships" xmlns:p="http://schemas.openxmlformats.org/presentationml/2006/main">
+  <p:cSld>
+    <p:spTree>
+      <p:nvGrpSpPr>
+        <p:cNvPr id="1" name=""/>
+        <p:cNvGrpSpPr/>
+        <p:nvPr/>
+      </p:nvGrpSpPr>
+      <p:grpSpPr>
+        <a:xfrm>
+          <a:off x="0" y="0"/>
+          <a:ext cx="0" cy="0"/>
+          <a:chOff x="0" y="0"/>
+          <a:chExt cx="0" cy="0"/>
+        </a:xfrm>
+      </p:grpSpPr>
+      <p:cxnSp>
+        <p:nvCxnSpPr>
+          <p:cNvPr id="50" name="Gerade Verbindung 49"/>
+          <p:cNvCxnSpPr/>
+          <p:nvPr/>
+        </p:nvCxnSpPr>
+        <p:spPr>
+          <a:xfrm>
+            <a:off x="3168000" y="627534"/>
+            <a:ext cx="288000" cy="3384376"/>
+          </a:xfrm>
+          <a:prstGeom prst="line">
+            <a:avLst/>
+          </a:prstGeom>
+          <a:ln w="28575"/>
+        </p:spPr>
+        <p:style>
+          <a:lnRef idx="1">
+            <a:schemeClr val="accent1"/>
+          </a:lnRef>
+          <a:fillRef idx="0">
+            <a:schemeClr val="accent1"/>
+          </a:fillRef>
+          <a:effectRef idx="0">
+            <a:schemeClr val="accent1"/>
+          </a:effectRef>
+          <a:fontRef idx="minor">
+            <a:schemeClr val="tx1"/>
+          </a:fontRef>
+        </p:style>
+      </p:cxnSp>
+      <p:cxnSp>
+        <p:nvCxnSpPr>
+          <p:cNvPr id="32" name="Gerade Verbindung 31"/>
+          <p:cNvCxnSpPr/>
+          <p:nvPr/>
+        </p:nvCxnSpPr>
+        <p:spPr>
+          <a:xfrm flipH="1">
+            <a:off x="1835696" y="1512000"/>
+            <a:ext cx="2304256" cy="2538000"/>
+          </a:xfrm>
+          <a:prstGeom prst="line">
+            <a:avLst/>
+          </a:prstGeom>
+          <a:ln w="28575">
+            <a:solidFill>
+              <a:schemeClr val="bg2">
+                <a:lumMod val="90000"/>
+                <a:lumOff val="10000"/>
+              </a:schemeClr>
+            </a:solidFill>
+          </a:ln>
+        </p:spPr>
+        <p:style>
+          <a:lnRef idx="1">
+            <a:schemeClr val="accent1"/>
+          </a:lnRef>
+          <a:fillRef idx="0">
+            <a:schemeClr val="accent1"/>
+          </a:fillRef>
+          <a:effectRef idx="0">
+            <a:schemeClr val="accent1"/>
+          </a:effectRef>
+          <a:fontRef idx="minor">
+            <a:schemeClr val="tx1"/>
+          </a:fontRef>
+        </p:style>
+      </p:cxnSp>
+      <p:cxnSp>
+        <p:nvCxnSpPr>
+          <p:cNvPr id="41" name="Gerade Verbindung 40"/>
+          <p:cNvCxnSpPr/>
+          <p:nvPr/>
+        </p:nvCxnSpPr>
+        <p:spPr>
+          <a:xfrm>
+            <a:off x="2555776" y="1275606"/>
+            <a:ext cx="1800000" cy="2664296"/>
+          </a:xfrm>
+          <a:prstGeom prst="line">
+            <a:avLst/>
+          </a:prstGeom>
+          <a:ln w="28575">
+            <a:solidFill>
+              <a:schemeClr val="bg2">
+                <a:lumMod val="90000"/>
+                <a:lumOff val="10000"/>
+              </a:schemeClr>
+            </a:solidFill>
+          </a:ln>
+        </p:spPr>
+        <p:style>
+          <a:lnRef idx="1">
+            <a:schemeClr val="accent1"/>
+          </a:lnRef>
+          <a:fillRef idx="0">
+            <a:schemeClr val="accent1"/>
+          </a:fillRef>
+          <a:effectRef idx="0">
+            <a:schemeClr val="accent1"/>
+          </a:effectRef>
+          <a:fontRef idx="minor">
+            <a:schemeClr val="tx1"/>
+          </a:fontRef>
+        </p:style>
+      </p:cxnSp>
       <p:cxnSp>
         <p:nvCxnSpPr>
           <p:cNvPr id="11" name="Gerade Verbindung 10"/>
@@ -4007,9 +5505,7 @@
           </a:prstGeom>
           <a:ln w="28575">
             <a:solidFill>
-              <a:schemeClr val="tx1">
-                <a:lumMod val="50000"/>
-              </a:schemeClr>
+              <a:schemeClr val="tx1"/>
             </a:solidFill>
           </a:ln>
         </p:spPr>
@@ -4047,9 +5543,7 @@
           </a:solidFill>
           <a:ln>
             <a:solidFill>
-              <a:schemeClr val="tx1">
-                <a:lumMod val="50000"/>
-              </a:schemeClr>
+              <a:schemeClr val="tx1"/>
             </a:solidFill>
           </a:ln>
         </p:spPr>
@@ -4140,107 +5634,6 @@
           </a:fontRef>
         </p:style>
       </p:cxnSp>
-      <p:cxnSp>
-        <p:nvCxnSpPr>
-          <p:cNvPr id="32" name="Gerade Verbindung 31"/>
-          <p:cNvCxnSpPr/>
-          <p:nvPr/>
-        </p:nvCxnSpPr>
-        <p:spPr>
-          <a:xfrm flipH="1">
-            <a:off x="1835696" y="1491630"/>
-            <a:ext cx="2304256" cy="2520280"/>
-          </a:xfrm>
-          <a:prstGeom prst="line">
-            <a:avLst/>
-          </a:prstGeom>
-          <a:ln w="28575">
-            <a:solidFill>
-              <a:schemeClr val="tx1"/>
-            </a:solidFill>
-          </a:ln>
-        </p:spPr>
-        <p:style>
-          <a:lnRef idx="1">
-            <a:schemeClr val="accent1"/>
-          </a:lnRef>
-          <a:fillRef idx="0">
-            <a:schemeClr val="accent1"/>
-          </a:fillRef>
-          <a:effectRef idx="0">
-            <a:schemeClr val="accent1"/>
-          </a:effectRef>
-          <a:fontRef idx="minor">
-            <a:schemeClr val="tx1"/>
-          </a:fontRef>
-        </p:style>
-      </p:cxnSp>
-      <p:cxnSp>
-        <p:nvCxnSpPr>
-          <p:cNvPr id="41" name="Gerade Verbindung 40"/>
-          <p:cNvCxnSpPr/>
-          <p:nvPr/>
-        </p:nvCxnSpPr>
-        <p:spPr>
-          <a:xfrm>
-            <a:off x="2555776" y="1275606"/>
-            <a:ext cx="1800200" cy="2664296"/>
-          </a:xfrm>
-          <a:prstGeom prst="line">
-            <a:avLst/>
-          </a:prstGeom>
-          <a:ln w="28575">
-            <a:solidFill>
-              <a:schemeClr val="tx1"/>
-            </a:solidFill>
-          </a:ln>
-        </p:spPr>
-        <p:style>
-          <a:lnRef idx="1">
-            <a:schemeClr val="accent1"/>
-          </a:lnRef>
-          <a:fillRef idx="0">
-            <a:schemeClr val="accent1"/>
-          </a:fillRef>
-          <a:effectRef idx="0">
-            <a:schemeClr val="accent1"/>
-          </a:effectRef>
-          <a:fontRef idx="minor">
-            <a:schemeClr val="tx1"/>
-          </a:fontRef>
-        </p:style>
-      </p:cxnSp>
-      <p:cxnSp>
-        <p:nvCxnSpPr>
-          <p:cNvPr id="50" name="Gerade Verbindung 49"/>
-          <p:cNvCxnSpPr/>
-          <p:nvPr/>
-        </p:nvCxnSpPr>
-        <p:spPr>
-          <a:xfrm>
-            <a:off x="3168000" y="627534"/>
-            <a:ext cx="270000" cy="3384376"/>
-          </a:xfrm>
-          <a:prstGeom prst="line">
-            <a:avLst/>
-          </a:prstGeom>
-          <a:ln w="28575"/>
-        </p:spPr>
-        <p:style>
-          <a:lnRef idx="1">
-            <a:schemeClr val="accent1"/>
-          </a:lnRef>
-          <a:fillRef idx="0">
-            <a:schemeClr val="accent1"/>
-          </a:fillRef>
-          <a:effectRef idx="0">
-            <a:schemeClr val="accent1"/>
-          </a:effectRef>
-          <a:fontRef idx="minor">
-            <a:schemeClr val="tx1"/>
-          </a:fontRef>
-        </p:style>
-      </p:cxnSp>
       <p:sp>
         <p:nvSpPr>
           <p:cNvPr id="62" name="Ellipse 61"/>
@@ -4249,8 +5642,8 @@
         </p:nvSpPr>
         <p:spPr>
           <a:xfrm>
-            <a:off x="4067944" y="3579862"/>
-            <a:ext cx="144016" cy="144016"/>
+            <a:off x="4086000" y="3579862"/>
+            <a:ext cx="144000" cy="144016"/>
           </a:xfrm>
           <a:prstGeom prst="ellipse">
             <a:avLst/>
@@ -4260,9 +5653,7 @@
           </a:solidFill>
           <a:ln>
             <a:solidFill>
-              <a:schemeClr val="tx1">
-                <a:lumMod val="50000"/>
-              </a:schemeClr>
+              <a:schemeClr val="tx1"/>
             </a:solidFill>
           </a:ln>
         </p:spPr>
@@ -4299,7 +5690,7 @@
         </p:nvSpPr>
         <p:spPr>
           <a:xfrm>
-            <a:off x="3344987" y="3579862"/>
+            <a:off x="3348000" y="3579862"/>
             <a:ext cx="144016" cy="144016"/>
           </a:xfrm>
           <a:prstGeom prst="ellipse">
@@ -4310,9 +5701,7 @@
           </a:solidFill>
           <a:ln>
             <a:solidFill>
-              <a:schemeClr val="tx1">
-                <a:lumMod val="50000"/>
-              </a:schemeClr>
+              <a:schemeClr val="tx1"/>
             </a:solidFill>
           </a:ln>
         </p:spPr>
@@ -4360,9 +5749,7 @@
           </a:solidFill>
           <a:ln>
             <a:solidFill>
-              <a:schemeClr val="tx1">
-                <a:lumMod val="50000"/>
-              </a:schemeClr>
+              <a:schemeClr val="tx1"/>
             </a:solidFill>
           </a:ln>
         </p:spPr>
@@ -4754,7 +6141,7 @@
 </p:sld>
 </file>
 
-<file path=ppt/slides/slide4.xml><?xml version="1.0" encoding="utf-8"?>
+<file path=ppt/slides/slide5.xml><?xml version="1.0" encoding="utf-8"?>
 <p:sld xmlns:a="http://schemas.openxmlformats.org/drawingml/2006/main" xmlns:r="http://schemas.openxmlformats.org/officeDocument/2006/relationships" xmlns:p="http://schemas.openxmlformats.org/presentationml/2006/main">
   <p:cSld>
     <p:spTree>
@@ -4818,11 +6205,118 @@
         <p:grpSpPr>
           <a:xfrm>
             <a:off x="1583668" y="627534"/>
-            <a:ext cx="5976664" cy="3384376"/>
+            <a:ext cx="5976664" cy="3422466"/>
             <a:chOff x="1583668" y="627534"/>
-            <a:chExt cx="5976664" cy="3384376"/>
+            <a:chExt cx="5976664" cy="3422466"/>
           </a:xfrm>
         </p:grpSpPr>
+        <p:cxnSp>
+          <p:nvCxnSpPr>
+            <p:cNvPr id="50" name="Gerade Verbindung 49"/>
+            <p:cNvCxnSpPr/>
+            <p:nvPr/>
+          </p:nvCxnSpPr>
+          <p:spPr>
+            <a:xfrm>
+              <a:off x="3168000" y="627534"/>
+              <a:ext cx="288000" cy="3384376"/>
+            </a:xfrm>
+            <a:prstGeom prst="line">
+              <a:avLst/>
+            </a:prstGeom>
+            <a:ln w="28575"/>
+          </p:spPr>
+          <p:style>
+            <a:lnRef idx="1">
+              <a:schemeClr val="accent1"/>
+            </a:lnRef>
+            <a:fillRef idx="0">
+              <a:schemeClr val="accent1"/>
+            </a:fillRef>
+            <a:effectRef idx="0">
+              <a:schemeClr val="accent1"/>
+            </a:effectRef>
+            <a:fontRef idx="minor">
+              <a:schemeClr val="tx1"/>
+            </a:fontRef>
+          </p:style>
+        </p:cxnSp>
+        <p:cxnSp>
+          <p:nvCxnSpPr>
+            <p:cNvPr id="41" name="Gerade Verbindung 40"/>
+            <p:cNvCxnSpPr/>
+            <p:nvPr/>
+          </p:nvCxnSpPr>
+          <p:spPr>
+            <a:xfrm>
+              <a:off x="2555776" y="1275606"/>
+              <a:ext cx="1800200" cy="2664296"/>
+            </a:xfrm>
+            <a:prstGeom prst="line">
+              <a:avLst/>
+            </a:prstGeom>
+            <a:ln w="28575">
+              <a:solidFill>
+                <a:schemeClr val="bg2">
+                  <a:lumMod val="90000"/>
+                  <a:lumOff val="10000"/>
+                </a:schemeClr>
+              </a:solidFill>
+            </a:ln>
+          </p:spPr>
+          <p:style>
+            <a:lnRef idx="1">
+              <a:schemeClr val="accent1"/>
+            </a:lnRef>
+            <a:fillRef idx="0">
+              <a:schemeClr val="accent1"/>
+            </a:fillRef>
+            <a:effectRef idx="0">
+              <a:schemeClr val="accent1"/>
+            </a:effectRef>
+            <a:fontRef idx="minor">
+              <a:schemeClr val="tx1"/>
+            </a:fontRef>
+          </p:style>
+        </p:cxnSp>
+        <p:cxnSp>
+          <p:nvCxnSpPr>
+            <p:cNvPr id="32" name="Gerade Verbindung 31"/>
+            <p:cNvCxnSpPr/>
+            <p:nvPr/>
+          </p:nvCxnSpPr>
+          <p:spPr>
+            <a:xfrm flipH="1">
+              <a:off x="1835696" y="1512000"/>
+              <a:ext cx="2304256" cy="2538000"/>
+            </a:xfrm>
+            <a:prstGeom prst="line">
+              <a:avLst/>
+            </a:prstGeom>
+            <a:ln w="28575">
+              <a:solidFill>
+                <a:schemeClr val="bg2">
+                  <a:lumMod val="90000"/>
+                  <a:lumOff val="10000"/>
+                </a:schemeClr>
+              </a:solidFill>
+            </a:ln>
+          </p:spPr>
+          <p:style>
+            <a:lnRef idx="1">
+              <a:schemeClr val="accent1"/>
+            </a:lnRef>
+            <a:fillRef idx="0">
+              <a:schemeClr val="accent1"/>
+            </a:fillRef>
+            <a:effectRef idx="0">
+              <a:schemeClr val="accent1"/>
+            </a:effectRef>
+            <a:fontRef idx="minor">
+              <a:schemeClr val="tx1"/>
+            </a:fontRef>
+          </p:style>
+        </p:cxnSp>
         <p:cxnSp>
           <p:nvCxnSpPr>
             <p:cNvPr id="11" name="Gerade Verbindung 10"/>
@@ -4870,9 +6364,7 @@
             </a:prstGeom>
             <a:ln w="28575">
               <a:solidFill>
-                <a:schemeClr val="tx1">
-                  <a:lumMod val="50000"/>
-                </a:schemeClr>
+                <a:schemeClr val="tx1"/>
               </a:solidFill>
             </a:ln>
           </p:spPr>
@@ -4910,9 +6402,7 @@
             </a:solidFill>
             <a:ln>
               <a:solidFill>
-                <a:schemeClr val="tx1">
-                  <a:lumMod val="50000"/>
-                </a:schemeClr>
+                <a:schemeClr val="tx1"/>
               </a:solidFill>
             </a:ln>
           </p:spPr>
@@ -5003,107 +6493,6 @@
             </a:fontRef>
           </p:style>
         </p:cxnSp>
-        <p:cxnSp>
-          <p:nvCxnSpPr>
-            <p:cNvPr id="32" name="Gerade Verbindung 31"/>
-            <p:cNvCxnSpPr/>
-            <p:nvPr/>
-          </p:nvCxnSpPr>
-          <p:spPr>
-            <a:xfrm flipH="1">
-              <a:off x="1835696" y="1491630"/>
-              <a:ext cx="2304256" cy="2520280"/>
-            </a:xfrm>
-            <a:prstGeom prst="line">
-              <a:avLst/>
-            </a:prstGeom>
-            <a:ln w="28575">
-              <a:solidFill>
-                <a:schemeClr val="tx1"/>
-              </a:solidFill>
-            </a:ln>
-          </p:spPr>
-          <p:style>
-            <a:lnRef idx="1">
-              <a:schemeClr val="accent1"/>
-            </a:lnRef>
-            <a:fillRef idx="0">
-              <a:schemeClr val="accent1"/>
-            </a:fillRef>
-            <a:effectRef idx="0">
-              <a:schemeClr val="accent1"/>
-            </a:effectRef>
-            <a:fontRef idx="minor">
-              <a:schemeClr val="tx1"/>
-            </a:fontRef>
-          </p:style>
-        </p:cxnSp>
-        <p:cxnSp>
-          <p:nvCxnSpPr>
-            <p:cNvPr id="41" name="Gerade Verbindung 40"/>
-            <p:cNvCxnSpPr/>
-            <p:nvPr/>
-          </p:nvCxnSpPr>
-          <p:spPr>
-            <a:xfrm>
-              <a:off x="2555776" y="1275606"/>
-              <a:ext cx="1800200" cy="2664296"/>
-            </a:xfrm>
-            <a:prstGeom prst="line">
-              <a:avLst/>
-            </a:prstGeom>
-            <a:ln w="28575">
-              <a:solidFill>
-                <a:schemeClr val="tx1"/>
-              </a:solidFill>
-            </a:ln>
-          </p:spPr>
-          <p:style>
-            <a:lnRef idx="1">
-              <a:schemeClr val="accent1"/>
-            </a:lnRef>
-            <a:fillRef idx="0">
-              <a:schemeClr val="accent1"/>
-            </a:fillRef>
-            <a:effectRef idx="0">
-              <a:schemeClr val="accent1"/>
-            </a:effectRef>
-            <a:fontRef idx="minor">
-              <a:schemeClr val="tx1"/>
-            </a:fontRef>
-          </p:style>
-        </p:cxnSp>
-        <p:cxnSp>
-          <p:nvCxnSpPr>
-            <p:cNvPr id="50" name="Gerade Verbindung 49"/>
-            <p:cNvCxnSpPr/>
-            <p:nvPr/>
-          </p:nvCxnSpPr>
-          <p:spPr>
-            <a:xfrm>
-              <a:off x="3168000" y="627534"/>
-              <a:ext cx="270000" cy="3384376"/>
-            </a:xfrm>
-            <a:prstGeom prst="line">
-              <a:avLst/>
-            </a:prstGeom>
-            <a:ln w="28575"/>
-          </p:spPr>
-          <p:style>
-            <a:lnRef idx="1">
-              <a:schemeClr val="accent1"/>
-            </a:lnRef>
-            <a:fillRef idx="0">
-              <a:schemeClr val="accent1"/>
-            </a:fillRef>
-            <a:effectRef idx="0">
-              <a:schemeClr val="accent1"/>
-            </a:effectRef>
-            <a:fontRef idx="minor">
-              <a:schemeClr val="tx1"/>
-            </a:fontRef>
-          </p:style>
-        </p:cxnSp>
         <p:sp>
           <p:nvSpPr>
             <p:cNvPr id="62" name="Ellipse 61"/>
@@ -5112,7 +6501,7 @@
           </p:nvSpPr>
           <p:spPr>
             <a:xfrm>
-              <a:off x="4067944" y="3579862"/>
+              <a:off x="4086000" y="3579862"/>
               <a:ext cx="144016" cy="144016"/>
             </a:xfrm>
             <a:prstGeom prst="ellipse">
@@ -5123,9 +6512,7 @@
             </a:solidFill>
             <a:ln>
               <a:solidFill>
-                <a:schemeClr val="tx1">
-                  <a:lumMod val="50000"/>
-                </a:schemeClr>
+                <a:schemeClr val="tx1"/>
               </a:solidFill>
             </a:ln>
           </p:spPr>
@@ -5162,7 +6549,7 @@
           </p:nvSpPr>
           <p:spPr>
             <a:xfrm>
-              <a:off x="3344987" y="3579862"/>
+              <a:off x="3348000" y="3579862"/>
               <a:ext cx="144016" cy="144016"/>
             </a:xfrm>
             <a:prstGeom prst="ellipse">
@@ -5173,9 +6560,7 @@
             </a:solidFill>
             <a:ln>
               <a:solidFill>
-                <a:schemeClr val="tx1">
-                  <a:lumMod val="50000"/>
-                </a:schemeClr>
+                <a:schemeClr val="tx1"/>
               </a:solidFill>
             </a:ln>
           </p:spPr>
@@ -5223,9 +6608,7 @@
             </a:solidFill>
             <a:ln>
               <a:solidFill>
-                <a:schemeClr val="tx1">
-                  <a:lumMod val="50000"/>
-                </a:schemeClr>
+                <a:schemeClr val="tx1"/>
               </a:solidFill>
             </a:ln>
           </p:spPr>
@@ -5277,6 +6660,9 @@
                     <p:cTn id="3" fill="hold">
                       <p:stCondLst>
                         <p:cond delay="indefinite"/>
+                        <p:cond evt="onBegin" delay="0">
+                          <p:tn val="2"/>
+                        </p:cond>
                       </p:stCondLst>
                       <p:childTnLst>
                         <p:par>
@@ -5286,7 +6672,7 @@
                             </p:stCondLst>
                             <p:childTnLst>
                               <p:par>
-                                <p:cTn id="5" presetID="8" presetClass="emph" presetSubtype="0" fill="hold" nodeType="clickEffect">
+                                <p:cTn id="5" presetID="8" presetClass="emph" presetSubtype="0" fill="hold" nodeType="withEffect">
                                   <p:stCondLst>
                                     <p:cond delay="0"/>
                                   </p:stCondLst>
@@ -5380,7 +6766,7 @@
 </p:sld>
 </file>
 
-<file path=ppt/slides/slide5.xml><?xml version="1.0" encoding="utf-8"?>
+<file path=ppt/slides/slide6.xml><?xml version="1.0" encoding="utf-8"?>
 <p:sld xmlns:a="http://schemas.openxmlformats.org/drawingml/2006/main" xmlns:r="http://schemas.openxmlformats.org/officeDocument/2006/relationships" xmlns:p="http://schemas.openxmlformats.org/presentationml/2006/main">
   <p:cSld>
     <p:spTree>
@@ -5397,72 +6783,30 @@
           <a:chExt cx="0" cy="0"/>
         </a:xfrm>
       </p:grpSpPr>
-      <p:sp>
-        <p:nvSpPr>
-          <p:cNvPr id="2" name="Titel 1"/>
-          <p:cNvSpPr>
-            <a:spLocks noGrp="1"/>
-          </p:cNvSpPr>
-          <p:nvPr>
-            <p:ph type="title"/>
-          </p:nvPr>
-        </p:nvSpPr>
-        <p:spPr/>
-        <p:txBody>
-          <a:bodyPr/>
-          <a:lstStyle/>
-          <a:p>
-            <a:r>
-              <a:rPr lang="de-DE" dirty="0" smtClean="0"/>
-              <a:t>Vier Punkte</a:t>
-            </a:r>
-            <a:endParaRPr lang="de-DE" dirty="0"/>
-          </a:p>
-        </p:txBody>
-      </p:sp>
-      <p:sp>
-        <p:nvSpPr>
-          <p:cNvPr id="9" name="Inhaltsplatzhalter 8"/>
-          <p:cNvSpPr>
-            <a:spLocks noGrp="1"/>
-          </p:cNvSpPr>
-          <p:nvPr>
-            <p:ph sz="half" idx="1"/>
-          </p:nvPr>
-        </p:nvSpPr>
-        <p:spPr/>
-        <p:txBody>
-          <a:bodyPr/>
-          <a:lstStyle/>
-          <a:p>
-            <a:endParaRPr lang="de-DE"/>
-          </a:p>
-        </p:txBody>
-      </p:sp>
       <p:grpSp>
         <p:nvGrpSpPr>
-          <p:cNvPr id="36" name="Gruppieren 35"/>
+          <p:cNvPr id="16" name="Gruppieren 15"/>
           <p:cNvGrpSpPr/>
           <p:nvPr/>
         </p:nvGrpSpPr>
         <p:grpSpPr>
           <a:xfrm>
-            <a:off x="4644008" y="1779662"/>
+            <a:off x="4644008" y="1779146"/>
             <a:ext cx="4039200" cy="2204839"/>
-            <a:chOff x="1583668" y="627534"/>
-            <a:chExt cx="5976664" cy="3384376"/>
+            <a:chOff x="4644008" y="1779662"/>
+            <a:chExt cx="4039200" cy="2204839"/>
           </a:xfrm>
         </p:grpSpPr>
         <p:cxnSp>
           <p:nvCxnSpPr>
-            <p:cNvPr id="37" name="Gerade Verbindung 36"/>
+            <p:cNvPr id="23" name="Gerade Verbindung 22"/>
             <p:cNvCxnSpPr/>
             <p:nvPr/>
           </p:nvCxnSpPr>
           <p:spPr>
             <a:xfrm>
-              <a:off x="1907704" y="1347614"/>
-              <a:ext cx="5544616" cy="2520280"/>
+              <a:off x="5714745" y="1779662"/>
+              <a:ext cx="182474" cy="2204839"/>
             </a:xfrm>
             <a:prstGeom prst="line">
               <a:avLst/>
@@ -5490,160 +6834,14 @@
         </p:cxnSp>
         <p:cxnSp>
           <p:nvCxnSpPr>
-            <p:cNvPr id="38" name="Gerade Verbindung 37"/>
-            <p:cNvCxnSpPr/>
-            <p:nvPr/>
-          </p:nvCxnSpPr>
-          <p:spPr>
-            <a:xfrm>
-              <a:off x="1583668" y="3651870"/>
-              <a:ext cx="5976664" cy="0"/>
-            </a:xfrm>
-            <a:prstGeom prst="line">
-              <a:avLst/>
-            </a:prstGeom>
-            <a:ln w="28575">
-              <a:solidFill>
-                <a:schemeClr val="accent1"/>
-              </a:solidFill>
-            </a:ln>
-          </p:spPr>
-          <p:style>
-            <a:lnRef idx="1">
-              <a:schemeClr val="accent1"/>
-            </a:lnRef>
-            <a:fillRef idx="0">
-              <a:schemeClr val="accent1"/>
-            </a:fillRef>
-            <a:effectRef idx="0">
-              <a:schemeClr val="accent1"/>
-            </a:effectRef>
-            <a:fontRef idx="minor">
-              <a:schemeClr val="tx1"/>
-            </a:fontRef>
-          </p:style>
-        </p:cxnSp>
-        <p:sp>
-          <p:nvSpPr>
-            <p:cNvPr id="39" name="Ellipse 38"/>
-            <p:cNvSpPr/>
-            <p:nvPr/>
-          </p:nvSpPr>
-          <p:spPr>
-            <a:xfrm>
-              <a:off x="6922194" y="3579862"/>
-              <a:ext cx="144016" cy="144016"/>
-            </a:xfrm>
-            <a:prstGeom prst="ellipse">
-              <a:avLst/>
-            </a:prstGeom>
-            <a:ln/>
-          </p:spPr>
-          <p:style>
-            <a:lnRef idx="2">
-              <a:schemeClr val="accent1">
-                <a:shade val="50000"/>
-              </a:schemeClr>
-            </a:lnRef>
-            <a:fillRef idx="1">
-              <a:schemeClr val="accent1"/>
-            </a:fillRef>
-            <a:effectRef idx="0">
-              <a:schemeClr val="accent1"/>
-            </a:effectRef>
-            <a:fontRef idx="minor">
-              <a:schemeClr val="lt1"/>
-            </a:fontRef>
-          </p:style>
-          <p:txBody>
-            <a:bodyPr rtlCol="0" anchor="ctr"/>
-            <a:lstStyle/>
-            <a:p>
-              <a:pPr algn="ctr"/>
-              <a:endParaRPr lang="de-DE"/>
-            </a:p>
-          </p:txBody>
-        </p:sp>
-        <p:cxnSp>
-          <p:nvCxnSpPr>
-            <p:cNvPr id="40" name="Gerade Verbindung 39"/>
+            <p:cNvPr id="21" name="Gerade Verbindung 20"/>
             <p:cNvCxnSpPr/>
             <p:nvPr/>
           </p:nvCxnSpPr>
           <p:spPr>
             <a:xfrm flipH="1">
-              <a:off x="2051720" y="627534"/>
-              <a:ext cx="1296144" cy="3384376"/>
-            </a:xfrm>
-            <a:prstGeom prst="line">
-              <a:avLst/>
-            </a:prstGeom>
-            <a:ln w="28575">
-              <a:solidFill>
-                <a:schemeClr val="tx1"/>
-              </a:solidFill>
-            </a:ln>
-          </p:spPr>
-          <p:style>
-            <a:lnRef idx="1">
-              <a:schemeClr val="accent1"/>
-            </a:lnRef>
-            <a:fillRef idx="0">
-              <a:schemeClr val="accent1"/>
-            </a:fillRef>
-            <a:effectRef idx="0">
-              <a:schemeClr val="accent1"/>
-            </a:effectRef>
-            <a:fontRef idx="minor">
-              <a:schemeClr val="tx1"/>
-            </a:fontRef>
-          </p:style>
-        </p:cxnSp>
-        <p:cxnSp>
-          <p:nvCxnSpPr>
-            <p:cNvPr id="41" name="Gerade Verbindung 40"/>
-            <p:cNvCxnSpPr/>
-            <p:nvPr/>
-          </p:nvCxnSpPr>
-          <p:spPr>
-            <a:xfrm>
-              <a:off x="3059832" y="627534"/>
-              <a:ext cx="1224136" cy="3384376"/>
-            </a:xfrm>
-            <a:prstGeom prst="line">
-              <a:avLst/>
-            </a:prstGeom>
-            <a:ln w="28575">
-              <a:solidFill>
-                <a:schemeClr val="tx1"/>
-              </a:solidFill>
-            </a:ln>
-          </p:spPr>
-          <p:style>
-            <a:lnRef idx="1">
-              <a:schemeClr val="accent1"/>
-            </a:lnRef>
-            <a:fillRef idx="0">
-              <a:schemeClr val="accent1"/>
-            </a:fillRef>
-            <a:effectRef idx="0">
-              <a:schemeClr val="accent1"/>
-            </a:effectRef>
-            <a:fontRef idx="minor">
-              <a:schemeClr val="tx1"/>
-            </a:fontRef>
-          </p:style>
-        </p:cxnSp>
-        <p:cxnSp>
-          <p:nvCxnSpPr>
-            <p:cNvPr id="42" name="Gerade Verbindung 41"/>
-            <p:cNvCxnSpPr/>
-            <p:nvPr/>
-          </p:nvCxnSpPr>
-          <p:spPr>
-            <a:xfrm flipH="1">
-              <a:off x="1835696" y="1491630"/>
-              <a:ext cx="2304256" cy="2520280"/>
+              <a:off x="4814336" y="2342600"/>
+              <a:ext cx="1557282" cy="1641901"/>
             </a:xfrm>
             <a:prstGeom prst="line">
               <a:avLst/>
@@ -5674,14 +6872,14 @@
         </p:cxnSp>
         <p:cxnSp>
           <p:nvCxnSpPr>
-            <p:cNvPr id="43" name="Gerade Verbindung 42"/>
+            <p:cNvPr id="22" name="Gerade Verbindung 21"/>
             <p:cNvCxnSpPr/>
             <p:nvPr/>
           </p:nvCxnSpPr>
           <p:spPr>
             <a:xfrm>
-              <a:off x="2555776" y="1275606"/>
-              <a:ext cx="1800200" cy="2664296"/>
+              <a:off x="5300986" y="2201865"/>
+              <a:ext cx="1216627" cy="1735724"/>
             </a:xfrm>
             <a:prstGeom prst="line">
               <a:avLst/>
@@ -5712,22 +6910,26 @@
         </p:cxnSp>
         <p:cxnSp>
           <p:nvCxnSpPr>
-            <p:cNvPr id="44" name="Gerade Verbindung 43"/>
+            <p:cNvPr id="17" name="Gerade Verbindung 16"/>
             <p:cNvCxnSpPr/>
             <p:nvPr/>
           </p:nvCxnSpPr>
           <p:spPr>
             <a:xfrm>
-              <a:off x="3168000" y="627534"/>
-              <a:ext cx="270000" cy="3384376"/>
+              <a:off x="4814336" y="2571750"/>
+              <a:ext cx="3862120" cy="1296144"/>
             </a:xfrm>
             <a:prstGeom prst="line">
               <a:avLst/>
             </a:prstGeom>
             <a:ln w="28575">
               <a:solidFill>
-                <a:schemeClr val="tx1"/>
+                <a:schemeClr val="bg2">
+                  <a:lumMod val="90000"/>
+                  <a:lumOff val="10000"/>
+                </a:schemeClr>
               </a:solidFill>
+              <a:prstDash val="sysDot"/>
             </a:ln>
           </p:spPr>
           <p:style>
@@ -5745,233 +6947,16 @@
             </a:fontRef>
           </p:style>
         </p:cxnSp>
-        <p:sp>
-          <p:nvSpPr>
-            <p:cNvPr id="45" name="Ellipse 44"/>
-            <p:cNvSpPr/>
-            <p:nvPr/>
-          </p:nvSpPr>
-          <p:spPr>
-            <a:xfrm>
-              <a:off x="4067944" y="3579862"/>
-              <a:ext cx="144016" cy="144016"/>
-            </a:xfrm>
-            <a:prstGeom prst="ellipse">
-              <a:avLst/>
-            </a:prstGeom>
-            <a:ln/>
-          </p:spPr>
-          <p:style>
-            <a:lnRef idx="2">
-              <a:schemeClr val="accent1">
-                <a:shade val="50000"/>
-              </a:schemeClr>
-            </a:lnRef>
-            <a:fillRef idx="1">
-              <a:schemeClr val="accent1"/>
-            </a:fillRef>
-            <a:effectRef idx="0">
-              <a:schemeClr val="accent1"/>
-            </a:effectRef>
-            <a:fontRef idx="minor">
-              <a:schemeClr val="lt1"/>
-            </a:fontRef>
-          </p:style>
-          <p:txBody>
-            <a:bodyPr rtlCol="0" anchor="ctr"/>
-            <a:lstStyle/>
-            <a:p>
-              <a:pPr algn="ctr"/>
-              <a:endParaRPr lang="de-DE"/>
-            </a:p>
-          </p:txBody>
-        </p:sp>
-        <p:sp>
-          <p:nvSpPr>
-            <p:cNvPr id="46" name="Ellipse 45"/>
-            <p:cNvSpPr/>
-            <p:nvPr/>
-          </p:nvSpPr>
-          <p:spPr>
-            <a:xfrm>
-              <a:off x="3344987" y="3579862"/>
-              <a:ext cx="144016" cy="144016"/>
-            </a:xfrm>
-            <a:prstGeom prst="ellipse">
-              <a:avLst/>
-            </a:prstGeom>
-            <a:ln/>
-          </p:spPr>
-          <p:style>
-            <a:lnRef idx="2">
-              <a:schemeClr val="accent1">
-                <a:shade val="50000"/>
-              </a:schemeClr>
-            </a:lnRef>
-            <a:fillRef idx="1">
-              <a:schemeClr val="accent1"/>
-            </a:fillRef>
-            <a:effectRef idx="0">
-              <a:schemeClr val="accent1"/>
-            </a:effectRef>
-            <a:fontRef idx="minor">
-              <a:schemeClr val="lt1"/>
-            </a:fontRef>
-          </p:style>
-          <p:txBody>
-            <a:bodyPr rtlCol="0" anchor="ctr"/>
-            <a:lstStyle/>
-            <a:p>
-              <a:pPr algn="ctr"/>
-              <a:endParaRPr lang="de-DE"/>
-            </a:p>
-          </p:txBody>
-        </p:sp>
-        <p:sp>
-          <p:nvSpPr>
-            <p:cNvPr id="47" name="Ellipse 46"/>
-            <p:cNvSpPr/>
-            <p:nvPr/>
-          </p:nvSpPr>
-          <p:spPr>
-            <a:xfrm>
-              <a:off x="2123728" y="3579862"/>
-              <a:ext cx="144016" cy="144016"/>
-            </a:xfrm>
-            <a:prstGeom prst="ellipse">
-              <a:avLst/>
-            </a:prstGeom>
-            <a:ln/>
-          </p:spPr>
-          <p:style>
-            <a:lnRef idx="2">
-              <a:schemeClr val="accent1">
-                <a:shade val="50000"/>
-              </a:schemeClr>
-            </a:lnRef>
-            <a:fillRef idx="1">
-              <a:schemeClr val="accent1"/>
-            </a:fillRef>
-            <a:effectRef idx="0">
-              <a:schemeClr val="accent1"/>
-            </a:effectRef>
-            <a:fontRef idx="minor">
-              <a:schemeClr val="lt1"/>
-            </a:fontRef>
-          </p:style>
-          <p:txBody>
-            <a:bodyPr rtlCol="0" anchor="ctr"/>
-            <a:lstStyle/>
-            <a:p>
-              <a:pPr algn="ctr"/>
-              <a:endParaRPr lang="de-DE"/>
-            </a:p>
-          </p:txBody>
-        </p:sp>
-      </p:grpSp>
-    </p:spTree>
-    <p:extLst>
-      <p:ext uri="{BB962C8B-B14F-4D97-AF65-F5344CB8AC3E}">
-        <p14:creationId xmlns:p14="http://schemas.microsoft.com/office/powerpoint/2010/main" val="3806260341"/>
-      </p:ext>
-    </p:extLst>
-  </p:cSld>
-  <p:clrMapOvr>
-    <a:masterClrMapping/>
-  </p:clrMapOvr>
-  <p:timing>
-    <p:tnLst>
-      <p:par>
-        <p:cTn id="1" dur="indefinite" restart="never" nodeType="tmRoot"/>
-      </p:par>
-    </p:tnLst>
-  </p:timing>
-</p:sld>
-</file>
-
-<file path=ppt/slides/slide6.xml><?xml version="1.0" encoding="utf-8"?>
-<p:sld xmlns:a="http://schemas.openxmlformats.org/drawingml/2006/main" xmlns:r="http://schemas.openxmlformats.org/officeDocument/2006/relationships" xmlns:p="http://schemas.openxmlformats.org/presentationml/2006/main">
-  <p:cSld>
-    <p:spTree>
-      <p:nvGrpSpPr>
-        <p:cNvPr id="1" name=""/>
-        <p:cNvGrpSpPr/>
-        <p:nvPr/>
-      </p:nvGrpSpPr>
-      <p:grpSpPr>
-        <a:xfrm>
-          <a:off x="0" y="0"/>
-          <a:ext cx="0" cy="0"/>
-          <a:chOff x="0" y="0"/>
-          <a:chExt cx="0" cy="0"/>
-        </a:xfrm>
-      </p:grpSpPr>
-      <p:sp>
-        <p:nvSpPr>
-          <p:cNvPr id="2" name="Titel 1"/>
-          <p:cNvSpPr>
-            <a:spLocks noGrp="1"/>
-          </p:cNvSpPr>
-          <p:nvPr>
-            <p:ph type="title"/>
-          </p:nvPr>
-        </p:nvSpPr>
-        <p:spPr/>
-        <p:txBody>
-          <a:bodyPr/>
-          <a:lstStyle/>
-          <a:p>
-            <a:r>
-              <a:rPr lang="de-DE" dirty="0" smtClean="0"/>
-              <a:t>Vier Geraden</a:t>
-            </a:r>
-            <a:endParaRPr lang="de-DE" dirty="0"/>
-          </a:p>
-        </p:txBody>
-      </p:sp>
-      <p:sp>
-        <p:nvSpPr>
-          <p:cNvPr id="9" name="Inhaltsplatzhalter 8"/>
-          <p:cNvSpPr>
-            <a:spLocks noGrp="1"/>
-          </p:cNvSpPr>
-          <p:nvPr>
-            <p:ph sz="half" idx="1"/>
-          </p:nvPr>
-        </p:nvSpPr>
-        <p:spPr/>
-        <p:txBody>
-          <a:bodyPr/>
-          <a:lstStyle/>
-          <a:p>
-            <a:endParaRPr lang="de-DE"/>
-          </a:p>
-        </p:txBody>
-      </p:sp>
-      <p:grpSp>
-        <p:nvGrpSpPr>
-          <p:cNvPr id="22" name="Gruppieren 21"/>
-          <p:cNvGrpSpPr/>
-          <p:nvPr/>
-        </p:nvGrpSpPr>
-        <p:grpSpPr>
-          <a:xfrm>
-            <a:off x="4644008" y="1779662"/>
-            <a:ext cx="4039200" cy="2204839"/>
-            <a:chOff x="4644008" y="1779662"/>
-            <a:chExt cx="4039200" cy="2204839"/>
-          </a:xfrm>
-        </p:grpSpPr>
         <p:cxnSp>
           <p:nvCxnSpPr>
-            <p:cNvPr id="26" name="Gerade Verbindung 25"/>
+            <p:cNvPr id="18" name="Gerade Verbindung 17"/>
             <p:cNvCxnSpPr/>
             <p:nvPr/>
           </p:nvCxnSpPr>
           <p:spPr>
             <a:xfrm>
-              <a:off x="4814336" y="2571750"/>
-              <a:ext cx="3862120" cy="1296144"/>
+              <a:off x="4863001" y="2248777"/>
+              <a:ext cx="3747210" cy="1641901"/>
             </a:xfrm>
             <a:prstGeom prst="line">
               <a:avLst/>
@@ -6002,19 +6987,23 @@
         </p:cxnSp>
         <p:cxnSp>
           <p:nvCxnSpPr>
-            <p:cNvPr id="37" name="Gerade Verbindung 36"/>
+            <p:cNvPr id="19" name="Gerade Verbindung 18"/>
             <p:cNvCxnSpPr/>
             <p:nvPr/>
           </p:nvCxnSpPr>
           <p:spPr>
-            <a:xfrm>
-              <a:off x="4863001" y="2248777"/>
-              <a:ext cx="3747210" cy="1641901"/>
+            <a:xfrm flipH="1">
+              <a:off x="4960331" y="1779662"/>
+              <a:ext cx="875971" cy="2204839"/>
             </a:xfrm>
             <a:prstGeom prst="line">
               <a:avLst/>
             </a:prstGeom>
-            <a:ln w="28575"/>
+            <a:ln w="28575">
+              <a:solidFill>
+                <a:schemeClr val="tx1"/>
+              </a:solidFill>
+            </a:ln>
           </p:spPr>
           <p:style>
             <a:lnRef idx="1">
@@ -6033,19 +7022,23 @@
         </p:cxnSp>
         <p:cxnSp>
           <p:nvCxnSpPr>
-            <p:cNvPr id="40" name="Gerade Verbindung 39"/>
+            <p:cNvPr id="20" name="Gerade Verbindung 19"/>
             <p:cNvCxnSpPr/>
             <p:nvPr/>
           </p:nvCxnSpPr>
           <p:spPr>
-            <a:xfrm flipH="1">
-              <a:off x="4960331" y="1779662"/>
-              <a:ext cx="875971" cy="2204839"/>
+            <a:xfrm>
+              <a:off x="5641642" y="1779662"/>
+              <a:ext cx="827306" cy="2204839"/>
             </a:xfrm>
             <a:prstGeom prst="line">
               <a:avLst/>
             </a:prstGeom>
-            <a:ln w="28575"/>
+            <a:ln w="28575">
+              <a:solidFill>
+                <a:schemeClr val="tx1"/>
+              </a:solidFill>
+            </a:ln>
           </p:spPr>
           <p:style>
             <a:lnRef idx="1">
@@ -6064,14 +7057,465 @@
         </p:cxnSp>
         <p:cxnSp>
           <p:nvCxnSpPr>
-            <p:cNvPr id="41" name="Gerade Verbindung 40"/>
+            <p:cNvPr id="24" name="Gerade Verbindung 23"/>
             <p:cNvCxnSpPr/>
             <p:nvPr/>
           </p:nvCxnSpPr>
           <p:spPr>
             <a:xfrm>
-              <a:off x="5641642" y="1779662"/>
-              <a:ext cx="827306" cy="2204839"/>
+              <a:off x="5436096" y="1851670"/>
+              <a:ext cx="3096344" cy="2039008"/>
+            </a:xfrm>
+            <a:prstGeom prst="line">
+              <a:avLst/>
+            </a:prstGeom>
+            <a:ln w="28575">
+              <a:solidFill>
+                <a:schemeClr val="tx1"/>
+              </a:solidFill>
+            </a:ln>
+          </p:spPr>
+          <p:style>
+            <a:lnRef idx="1">
+              <a:schemeClr val="accent1"/>
+            </a:lnRef>
+            <a:fillRef idx="0">
+              <a:schemeClr val="accent1"/>
+            </a:fillRef>
+            <a:effectRef idx="0">
+              <a:schemeClr val="accent1"/>
+            </a:effectRef>
+            <a:fontRef idx="minor">
+              <a:schemeClr val="tx1"/>
+            </a:fontRef>
+          </p:style>
+        </p:cxnSp>
+        <p:sp>
+          <p:nvSpPr>
+            <p:cNvPr id="25" name="Ellipse 24"/>
+            <p:cNvSpPr/>
+            <p:nvPr/>
+          </p:nvSpPr>
+          <p:spPr>
+            <a:xfrm>
+              <a:off x="5688414" y="1995686"/>
+              <a:ext cx="97330" cy="93823"/>
+            </a:xfrm>
+            <a:prstGeom prst="ellipse">
+              <a:avLst/>
+            </a:prstGeom>
+            <a:solidFill>
+              <a:schemeClr val="bg2">
+                <a:lumMod val="50000"/>
+                <a:lumOff val="50000"/>
+              </a:schemeClr>
+            </a:solidFill>
+            <a:ln>
+              <a:solidFill>
+                <a:schemeClr val="bg2"/>
+              </a:solidFill>
+            </a:ln>
+          </p:spPr>
+          <p:style>
+            <a:lnRef idx="2">
+              <a:schemeClr val="accent1">
+                <a:shade val="50000"/>
+              </a:schemeClr>
+            </a:lnRef>
+            <a:fillRef idx="1">
+              <a:schemeClr val="accent1"/>
+            </a:fillRef>
+            <a:effectRef idx="0">
+              <a:schemeClr val="accent1"/>
+            </a:effectRef>
+            <a:fontRef idx="minor">
+              <a:schemeClr val="lt1"/>
+            </a:fontRef>
+          </p:style>
+          <p:txBody>
+            <a:bodyPr rtlCol="0" anchor="ctr"/>
+            <a:lstStyle/>
+            <a:p>
+              <a:pPr algn="ctr"/>
+              <a:endParaRPr lang="de-DE"/>
+            </a:p>
+          </p:txBody>
+        </p:sp>
+        <p:cxnSp>
+          <p:nvCxnSpPr>
+            <p:cNvPr id="26" name="Gerade Verbindung 25"/>
+            <p:cNvCxnSpPr/>
+            <p:nvPr/>
+          </p:nvCxnSpPr>
+          <p:spPr>
+            <a:xfrm>
+              <a:off x="4644008" y="3749944"/>
+              <a:ext cx="4039200" cy="0"/>
+            </a:xfrm>
+            <a:prstGeom prst="line">
+              <a:avLst/>
+            </a:prstGeom>
+            <a:ln>
+              <a:solidFill>
+                <a:schemeClr val="accent1"/>
+              </a:solidFill>
+            </a:ln>
+          </p:spPr>
+          <p:style>
+            <a:lnRef idx="2">
+              <a:schemeClr val="dk1">
+                <a:shade val="50000"/>
+              </a:schemeClr>
+            </a:lnRef>
+            <a:fillRef idx="1">
+              <a:schemeClr val="dk1"/>
+            </a:fillRef>
+            <a:effectRef idx="0">
+              <a:schemeClr val="dk1"/>
+            </a:effectRef>
+            <a:fontRef idx="minor">
+              <a:schemeClr val="lt1"/>
+            </a:fontRef>
+          </p:style>
+        </p:cxnSp>
+        <p:sp>
+          <p:nvSpPr>
+            <p:cNvPr id="27" name="Ellipse 26"/>
+            <p:cNvSpPr/>
+            <p:nvPr/>
+          </p:nvSpPr>
+          <p:spPr>
+            <a:xfrm>
+              <a:off x="8251936" y="3703032"/>
+              <a:ext cx="97330" cy="93823"/>
+            </a:xfrm>
+            <a:prstGeom prst="ellipse">
+              <a:avLst/>
+            </a:prstGeom>
+            <a:solidFill>
+              <a:schemeClr val="accent1"/>
+            </a:solidFill>
+            <a:ln>
+              <a:solidFill>
+                <a:srgbClr val="B96A26"/>
+              </a:solidFill>
+            </a:ln>
+          </p:spPr>
+          <p:style>
+            <a:lnRef idx="2">
+              <a:schemeClr val="dk1">
+                <a:shade val="50000"/>
+              </a:schemeClr>
+            </a:lnRef>
+            <a:fillRef idx="1">
+              <a:schemeClr val="dk1"/>
+            </a:fillRef>
+            <a:effectRef idx="0">
+              <a:schemeClr val="dk1"/>
+            </a:effectRef>
+            <a:fontRef idx="minor">
+              <a:schemeClr val="lt1"/>
+            </a:fontRef>
+          </p:style>
+          <p:txBody>
+            <a:bodyPr rtlCol="0" anchor="ctr"/>
+            <a:lstStyle/>
+            <a:p>
+              <a:pPr algn="ctr"/>
+              <a:endParaRPr lang="de-DE"/>
+            </a:p>
+          </p:txBody>
+        </p:sp>
+        <p:sp>
+          <p:nvSpPr>
+            <p:cNvPr id="28" name="Ellipse 27"/>
+            <p:cNvSpPr/>
+            <p:nvPr/>
+          </p:nvSpPr>
+          <p:spPr>
+            <a:xfrm>
+              <a:off x="6322953" y="3703032"/>
+              <a:ext cx="97330" cy="93823"/>
+            </a:xfrm>
+            <a:prstGeom prst="ellipse">
+              <a:avLst/>
+            </a:prstGeom>
+            <a:solidFill>
+              <a:schemeClr val="accent1"/>
+            </a:solidFill>
+            <a:ln>
+              <a:solidFill>
+                <a:srgbClr val="B96A26"/>
+              </a:solidFill>
+            </a:ln>
+          </p:spPr>
+          <p:style>
+            <a:lnRef idx="2">
+              <a:schemeClr val="dk1">
+                <a:shade val="50000"/>
+              </a:schemeClr>
+            </a:lnRef>
+            <a:fillRef idx="1">
+              <a:schemeClr val="dk1"/>
+            </a:fillRef>
+            <a:effectRef idx="0">
+              <a:schemeClr val="dk1"/>
+            </a:effectRef>
+            <a:fontRef idx="minor">
+              <a:schemeClr val="lt1"/>
+            </a:fontRef>
+          </p:style>
+          <p:txBody>
+            <a:bodyPr rtlCol="0" anchor="ctr"/>
+            <a:lstStyle/>
+            <a:p>
+              <a:pPr algn="ctr"/>
+              <a:endParaRPr lang="de-DE"/>
+            </a:p>
+          </p:txBody>
+        </p:sp>
+        <p:sp>
+          <p:nvSpPr>
+            <p:cNvPr id="29" name="Ellipse 28"/>
+            <p:cNvSpPr/>
+            <p:nvPr/>
+          </p:nvSpPr>
+          <p:spPr>
+            <a:xfrm>
+              <a:off x="5834358" y="3703032"/>
+              <a:ext cx="97330" cy="93823"/>
+            </a:xfrm>
+            <a:prstGeom prst="ellipse">
+              <a:avLst/>
+            </a:prstGeom>
+            <a:solidFill>
+              <a:schemeClr val="accent1"/>
+            </a:solidFill>
+            <a:ln>
+              <a:solidFill>
+                <a:srgbClr val="B96A26"/>
+              </a:solidFill>
+            </a:ln>
+          </p:spPr>
+          <p:style>
+            <a:lnRef idx="2">
+              <a:schemeClr val="dk1">
+                <a:shade val="50000"/>
+              </a:schemeClr>
+            </a:lnRef>
+            <a:fillRef idx="1">
+              <a:schemeClr val="dk1"/>
+            </a:fillRef>
+            <a:effectRef idx="0">
+              <a:schemeClr val="dk1"/>
+            </a:effectRef>
+            <a:fontRef idx="minor">
+              <a:schemeClr val="lt1"/>
+            </a:fontRef>
+          </p:style>
+          <p:txBody>
+            <a:bodyPr rtlCol="0" anchor="ctr"/>
+            <a:lstStyle/>
+            <a:p>
+              <a:pPr algn="ctr"/>
+              <a:endParaRPr lang="de-DE"/>
+            </a:p>
+          </p:txBody>
+        </p:sp>
+        <p:sp>
+          <p:nvSpPr>
+            <p:cNvPr id="30" name="Ellipse 29"/>
+            <p:cNvSpPr/>
+            <p:nvPr/>
+          </p:nvSpPr>
+          <p:spPr>
+            <a:xfrm>
+              <a:off x="5008996" y="3703032"/>
+              <a:ext cx="97330" cy="93823"/>
+            </a:xfrm>
+            <a:prstGeom prst="ellipse">
+              <a:avLst/>
+            </a:prstGeom>
+            <a:solidFill>
+              <a:schemeClr val="accent1"/>
+            </a:solidFill>
+            <a:ln>
+              <a:solidFill>
+                <a:srgbClr val="B96A26"/>
+              </a:solidFill>
+            </a:ln>
+          </p:spPr>
+          <p:style>
+            <a:lnRef idx="2">
+              <a:schemeClr val="dk1">
+                <a:shade val="50000"/>
+              </a:schemeClr>
+            </a:lnRef>
+            <a:fillRef idx="1">
+              <a:schemeClr val="dk1"/>
+            </a:fillRef>
+            <a:effectRef idx="0">
+              <a:schemeClr val="dk1"/>
+            </a:effectRef>
+            <a:fontRef idx="minor">
+              <a:schemeClr val="lt1"/>
+            </a:fontRef>
+          </p:style>
+          <p:txBody>
+            <a:bodyPr rtlCol="0" anchor="ctr"/>
+            <a:lstStyle/>
+            <a:p>
+              <a:pPr algn="ctr"/>
+              <a:endParaRPr lang="de-DE"/>
+            </a:p>
+          </p:txBody>
+        </p:sp>
+      </p:grpSp>
+      <p:sp>
+        <p:nvSpPr>
+          <p:cNvPr id="2" name="Titel 1"/>
+          <p:cNvSpPr>
+            <a:spLocks noGrp="1"/>
+          </p:cNvSpPr>
+          <p:nvPr>
+            <p:ph type="title"/>
+          </p:nvPr>
+        </p:nvSpPr>
+        <p:spPr/>
+        <p:txBody>
+          <a:bodyPr/>
+          <a:lstStyle/>
+          <a:p>
+            <a:r>
+              <a:rPr lang="de-DE" dirty="0" smtClean="0"/>
+              <a:t>Vier Punkte</a:t>
+            </a:r>
+            <a:endParaRPr lang="de-DE" dirty="0"/>
+          </a:p>
+        </p:txBody>
+      </p:sp>
+      <p:sp>
+        <p:nvSpPr>
+          <p:cNvPr id="9" name="Inhaltsplatzhalter 8"/>
+          <p:cNvSpPr>
+            <a:spLocks noGrp="1"/>
+          </p:cNvSpPr>
+          <p:nvPr>
+            <p:ph sz="half" idx="1"/>
+          </p:nvPr>
+        </p:nvSpPr>
+        <p:spPr/>
+        <p:txBody>
+          <a:bodyPr/>
+          <a:lstStyle/>
+          <a:p>
+            <a:endParaRPr lang="de-DE"/>
+          </a:p>
+        </p:txBody>
+      </p:sp>
+    </p:spTree>
+    <p:extLst>
+      <p:ext uri="{BB962C8B-B14F-4D97-AF65-F5344CB8AC3E}">
+        <p14:creationId xmlns:p14="http://schemas.microsoft.com/office/powerpoint/2010/main" val="3806260341"/>
+      </p:ext>
+    </p:extLst>
+  </p:cSld>
+  <p:clrMapOvr>
+    <a:masterClrMapping/>
+  </p:clrMapOvr>
+  <p:timing>
+    <p:tnLst>
+      <p:par>
+        <p:cTn id="1" dur="indefinite" restart="never" nodeType="tmRoot"/>
+      </p:par>
+    </p:tnLst>
+  </p:timing>
+</p:sld>
+</file>
+
+<file path=ppt/slides/slide7.xml><?xml version="1.0" encoding="utf-8"?>
+<p:sld xmlns:a="http://schemas.openxmlformats.org/drawingml/2006/main" xmlns:r="http://schemas.openxmlformats.org/officeDocument/2006/relationships" xmlns:p="http://schemas.openxmlformats.org/presentationml/2006/main">
+  <p:cSld>
+    <p:spTree>
+      <p:nvGrpSpPr>
+        <p:cNvPr id="1" name=""/>
+        <p:cNvGrpSpPr/>
+        <p:nvPr/>
+      </p:nvGrpSpPr>
+      <p:grpSpPr>
+        <a:xfrm>
+          <a:off x="0" y="0"/>
+          <a:ext cx="0" cy="0"/>
+          <a:chOff x="0" y="0"/>
+          <a:chExt cx="0" cy="0"/>
+        </a:xfrm>
+      </p:grpSpPr>
+      <p:sp>
+        <p:nvSpPr>
+          <p:cNvPr id="2" name="Titel 1"/>
+          <p:cNvSpPr>
+            <a:spLocks noGrp="1"/>
+          </p:cNvSpPr>
+          <p:nvPr>
+            <p:ph type="title"/>
+          </p:nvPr>
+        </p:nvSpPr>
+        <p:spPr/>
+        <p:txBody>
+          <a:bodyPr/>
+          <a:lstStyle/>
+          <a:p>
+            <a:r>
+              <a:rPr lang="de-DE" dirty="0" smtClean="0"/>
+              <a:t>Vier Geraden</a:t>
+            </a:r>
+            <a:endParaRPr lang="de-DE" dirty="0"/>
+          </a:p>
+        </p:txBody>
+      </p:sp>
+      <p:sp>
+        <p:nvSpPr>
+          <p:cNvPr id="9" name="Inhaltsplatzhalter 8"/>
+          <p:cNvSpPr>
+            <a:spLocks noGrp="1"/>
+          </p:cNvSpPr>
+          <p:nvPr>
+            <p:ph sz="half" idx="1"/>
+          </p:nvPr>
+        </p:nvSpPr>
+        <p:spPr/>
+        <p:txBody>
+          <a:bodyPr/>
+          <a:lstStyle/>
+          <a:p>
+            <a:endParaRPr lang="de-DE"/>
+          </a:p>
+        </p:txBody>
+      </p:sp>
+      <p:grpSp>
+        <p:nvGrpSpPr>
+          <p:cNvPr id="22" name="Gruppieren 21"/>
+          <p:cNvGrpSpPr/>
+          <p:nvPr/>
+        </p:nvGrpSpPr>
+        <p:grpSpPr>
+          <a:xfrm>
+            <a:off x="4644008" y="1779662"/>
+            <a:ext cx="4039200" cy="2204839"/>
+            <a:chOff x="4644008" y="1779662"/>
+            <a:chExt cx="4039200" cy="2204839"/>
+          </a:xfrm>
+        </p:grpSpPr>
+        <p:cxnSp>
+          <p:nvCxnSpPr>
+            <p:cNvPr id="44" name="Gerade Verbindung 43"/>
+            <p:cNvCxnSpPr/>
+            <p:nvPr/>
+          </p:nvCxnSpPr>
+          <p:spPr>
+            <a:xfrm>
+              <a:off x="5714745" y="1779662"/>
+              <a:ext cx="182474" cy="2204839"/>
             </a:xfrm>
             <a:prstGeom prst="line">
               <a:avLst/>
@@ -6171,14 +7615,122 @@
         </p:cxnSp>
         <p:cxnSp>
           <p:nvCxnSpPr>
-            <p:cNvPr id="44" name="Gerade Verbindung 43"/>
+            <p:cNvPr id="26" name="Gerade Verbindung 25"/>
             <p:cNvCxnSpPr/>
             <p:nvPr/>
           </p:nvCxnSpPr>
           <p:spPr>
             <a:xfrm>
-              <a:off x="5714745" y="1779662"/>
-              <a:ext cx="182474" cy="2204839"/>
+              <a:off x="4814336" y="2571750"/>
+              <a:ext cx="3862120" cy="1296144"/>
+            </a:xfrm>
+            <a:prstGeom prst="line">
+              <a:avLst/>
+            </a:prstGeom>
+            <a:ln w="28575">
+              <a:solidFill>
+                <a:schemeClr val="bg2">
+                  <a:lumMod val="90000"/>
+                  <a:lumOff val="10000"/>
+                </a:schemeClr>
+              </a:solidFill>
+              <a:prstDash val="sysDot"/>
+            </a:ln>
+          </p:spPr>
+          <p:style>
+            <a:lnRef idx="1">
+              <a:schemeClr val="accent1"/>
+            </a:lnRef>
+            <a:fillRef idx="0">
+              <a:schemeClr val="accent1"/>
+            </a:fillRef>
+            <a:effectRef idx="0">
+              <a:schemeClr val="accent1"/>
+            </a:effectRef>
+            <a:fontRef idx="minor">
+              <a:schemeClr val="tx1"/>
+            </a:fontRef>
+          </p:style>
+        </p:cxnSp>
+        <p:cxnSp>
+          <p:nvCxnSpPr>
+            <p:cNvPr id="37" name="Gerade Verbindung 36"/>
+            <p:cNvCxnSpPr/>
+            <p:nvPr/>
+          </p:nvCxnSpPr>
+          <p:spPr>
+            <a:xfrm>
+              <a:off x="4863001" y="2248777"/>
+              <a:ext cx="3747210" cy="1641901"/>
+            </a:xfrm>
+            <a:prstGeom prst="line">
+              <a:avLst/>
+            </a:prstGeom>
+            <a:ln w="28575">
+              <a:solidFill>
+                <a:schemeClr val="bg2">
+                  <a:lumMod val="90000"/>
+                  <a:lumOff val="10000"/>
+                </a:schemeClr>
+              </a:solidFill>
+            </a:ln>
+          </p:spPr>
+          <p:style>
+            <a:lnRef idx="1">
+              <a:schemeClr val="accent1"/>
+            </a:lnRef>
+            <a:fillRef idx="0">
+              <a:schemeClr val="accent1"/>
+            </a:fillRef>
+            <a:effectRef idx="0">
+              <a:schemeClr val="accent1"/>
+            </a:effectRef>
+            <a:fontRef idx="minor">
+              <a:schemeClr val="tx1"/>
+            </a:fontRef>
+          </p:style>
+        </p:cxnSp>
+        <p:cxnSp>
+          <p:nvCxnSpPr>
+            <p:cNvPr id="40" name="Gerade Verbindung 39"/>
+            <p:cNvCxnSpPr/>
+            <p:nvPr/>
+          </p:nvCxnSpPr>
+          <p:spPr>
+            <a:xfrm flipH="1">
+              <a:off x="4960331" y="1779662"/>
+              <a:ext cx="875971" cy="2204839"/>
+            </a:xfrm>
+            <a:prstGeom prst="line">
+              <a:avLst/>
+            </a:prstGeom>
+            <a:ln w="28575"/>
+          </p:spPr>
+          <p:style>
+            <a:lnRef idx="1">
+              <a:schemeClr val="accent1"/>
+            </a:lnRef>
+            <a:fillRef idx="0">
+              <a:schemeClr val="accent1"/>
+            </a:fillRef>
+            <a:effectRef idx="0">
+              <a:schemeClr val="accent1"/>
+            </a:effectRef>
+            <a:fontRef idx="minor">
+              <a:schemeClr val="tx1"/>
+            </a:fontRef>
+          </p:style>
+        </p:cxnSp>
+        <p:cxnSp>
+          <p:nvCxnSpPr>
+            <p:cNvPr id="41" name="Gerade Verbindung 40"/>
+            <p:cNvCxnSpPr/>
+            <p:nvPr/>
+          </p:nvCxnSpPr>
+          <p:spPr>
+            <a:xfrm>
+              <a:off x="5641642" y="1779662"/>
+              <a:ext cx="827306" cy="2204839"/>
             </a:xfrm>
             <a:prstGeom prst="line">
               <a:avLst/>
@@ -6286,7 +7838,11 @@
             <a:prstGeom prst="line">
               <a:avLst/>
             </a:prstGeom>
-            <a:ln/>
+            <a:ln>
+              <a:solidFill>
+                <a:schemeClr val="tx1"/>
+              </a:solidFill>
+            </a:ln>
           </p:spPr>
           <p:style>
             <a:lnRef idx="2">
@@ -6319,7 +7875,14 @@
             <a:prstGeom prst="ellipse">
               <a:avLst/>
             </a:prstGeom>
-            <a:ln/>
+            <a:solidFill>
+              <a:schemeClr val="tx2"/>
+            </a:solidFill>
+            <a:ln>
+              <a:solidFill>
+                <a:schemeClr val="tx1"/>
+              </a:solidFill>
+            </a:ln>
           </p:spPr>
           <p:style>
             <a:lnRef idx="2">
@@ -6360,7 +7923,14 @@
             <a:prstGeom prst="ellipse">
               <a:avLst/>
             </a:prstGeom>
-            <a:ln/>
+            <a:solidFill>
+              <a:schemeClr val="tx2"/>
+            </a:solidFill>
+            <a:ln>
+              <a:solidFill>
+                <a:schemeClr val="tx1"/>
+              </a:solidFill>
+            </a:ln>
           </p:spPr>
           <p:style>
             <a:lnRef idx="2">
@@ -6401,7 +7971,14 @@
             <a:prstGeom prst="ellipse">
               <a:avLst/>
             </a:prstGeom>
-            <a:ln/>
+            <a:solidFill>
+              <a:schemeClr val="tx2"/>
+            </a:solidFill>
+            <a:ln>
+              <a:solidFill>
+                <a:schemeClr val="tx1"/>
+              </a:solidFill>
+            </a:ln>
           </p:spPr>
           <p:style>
             <a:lnRef idx="2">
@@ -6442,7 +8019,14 @@
             <a:prstGeom prst="ellipse">
               <a:avLst/>
             </a:prstGeom>
-            <a:ln/>
+            <a:solidFill>
+              <a:schemeClr val="tx2"/>
+            </a:solidFill>
+            <a:ln>
+              <a:solidFill>
+                <a:schemeClr val="tx1"/>
+              </a:solidFill>
+            </a:ln>
           </p:spPr>
           <p:style>
             <a:lnRef idx="2">
@@ -6490,114 +8074,6 @@
 </p:sld>
 </file>
 
-<file path=ppt/slides/slide7.xml><?xml version="1.0" encoding="utf-8"?>
-<p:sld xmlns:a="http://schemas.openxmlformats.org/drawingml/2006/main" xmlns:r="http://schemas.openxmlformats.org/officeDocument/2006/relationships" xmlns:p="http://schemas.openxmlformats.org/presentationml/2006/main">
-  <p:cSld>
-    <p:spTree>
-      <p:nvGrpSpPr>
-        <p:cNvPr id="1" name=""/>
-        <p:cNvGrpSpPr/>
-        <p:nvPr/>
-      </p:nvGrpSpPr>
-      <p:grpSpPr>
-        <a:xfrm>
-          <a:off x="0" y="0"/>
-          <a:ext cx="0" cy="0"/>
-          <a:chOff x="0" y="0"/>
-          <a:chExt cx="0" cy="0"/>
-        </a:xfrm>
-      </p:grpSpPr>
-      <p:sp>
-        <p:nvSpPr>
-          <p:cNvPr id="2" name="Titel 1"/>
-          <p:cNvSpPr>
-            <a:spLocks noGrp="1"/>
-          </p:cNvSpPr>
-          <p:nvPr>
-            <p:ph type="title"/>
-          </p:nvPr>
-        </p:nvSpPr>
-        <p:spPr/>
-        <p:txBody>
-          <a:bodyPr/>
-          <a:lstStyle/>
-          <a:p>
-            <a:r>
-              <a:rPr lang="de-DE" dirty="0" smtClean="0"/>
-              <a:t>Andere Konstruktionsmöglichkeiten</a:t>
-            </a:r>
-            <a:endParaRPr lang="de-DE" dirty="0"/>
-          </a:p>
-        </p:txBody>
-      </p:sp>
-      <p:sp>
-        <p:nvSpPr>
-          <p:cNvPr id="5" name="Textplatzhalter 4"/>
-          <p:cNvSpPr>
-            <a:spLocks noGrp="1"/>
-          </p:cNvSpPr>
-          <p:nvPr>
-            <p:ph type="body" idx="1"/>
-          </p:nvPr>
-        </p:nvSpPr>
-        <p:spPr/>
-        <p:txBody>
-          <a:bodyPr/>
-          <a:lstStyle/>
-          <a:p>
-            <a:pPr algn="ctr"/>
-            <a:r>
-              <a:rPr lang="de-DE" b="0" dirty="0" smtClean="0"/>
-              <a:t>Strahlensatz</a:t>
-            </a:r>
-            <a:endParaRPr lang="de-DE" b="0" dirty="0"/>
-          </a:p>
-        </p:txBody>
-      </p:sp>
-      <p:sp>
-        <p:nvSpPr>
-          <p:cNvPr id="7" name="Textplatzhalter 6"/>
-          <p:cNvSpPr>
-            <a:spLocks noGrp="1"/>
-          </p:cNvSpPr>
-          <p:nvPr>
-            <p:ph type="body" sz="quarter" idx="3"/>
-          </p:nvPr>
-        </p:nvSpPr>
-        <p:spPr/>
-        <p:txBody>
-          <a:bodyPr/>
-          <a:lstStyle/>
-          <a:p>
-            <a:pPr algn="ctr"/>
-            <a:r>
-              <a:rPr lang="de-DE" b="0" dirty="0" err="1" smtClean="0"/>
-              <a:t>Thaleskreis</a:t>
-            </a:r>
-            <a:endParaRPr lang="de-DE" b="0" dirty="0"/>
-          </a:p>
-        </p:txBody>
-      </p:sp>
-    </p:spTree>
-    <p:extLst>
-      <p:ext uri="{BB962C8B-B14F-4D97-AF65-F5344CB8AC3E}">
-        <p14:creationId xmlns:p14="http://schemas.microsoft.com/office/powerpoint/2010/main" val="3623324750"/>
-      </p:ext>
-    </p:extLst>
-  </p:cSld>
-  <p:clrMapOvr>
-    <a:masterClrMapping/>
-  </p:clrMapOvr>
-  <p:timing>
-    <p:tnLst>
-      <p:par>
-        <p:cTn id="1" dur="indefinite" restart="never" nodeType="tmRoot"/>
-      </p:par>
-    </p:tnLst>
-  </p:timing>
-</p:sld>
-</file>
-
 <file path=ppt/slides/slide8.xml><?xml version="1.0" encoding="utf-8"?>
 <p:sld xmlns:a="http://schemas.openxmlformats.org/drawingml/2006/main" xmlns:r="http://schemas.openxmlformats.org/officeDocument/2006/relationships" xmlns:p="http://schemas.openxmlformats.org/presentationml/2006/main">
   <p:cSld>
@@ -6617,12 +8093,12 @@
       </p:grpSpPr>
       <p:sp>
         <p:nvSpPr>
-          <p:cNvPr id="4" name="Titel 3"/>
+          <p:cNvPr id="2" name="Titel 1"/>
           <p:cNvSpPr>
             <a:spLocks noGrp="1"/>
           </p:cNvSpPr>
           <p:nvPr>
-            <p:ph type="ctrTitle"/>
+            <p:ph type="title"/>
           </p:nvPr>
         </p:nvSpPr>
         <p:spPr/>
@@ -6632,7 +8108,7 @@
           <a:p>
             <a:r>
               <a:rPr lang="de-DE" dirty="0" smtClean="0"/>
-              <a:t>Doppelverhältnis</a:t>
+              <a:t>Andere Konstruktionsmöglichkeiten</a:t>
             </a:r>
             <a:endParaRPr lang="de-DE" dirty="0"/>
           </a:p>
@@ -6640,27 +8116,1290 @@
       </p:sp>
       <p:sp>
         <p:nvSpPr>
-          <p:cNvPr id="5" name="Untertitel 4"/>
+          <p:cNvPr id="5" name="Textplatzhalter 4"/>
           <p:cNvSpPr>
             <a:spLocks noGrp="1"/>
           </p:cNvSpPr>
           <p:nvPr>
-            <p:ph type="subTitle" idx="1"/>
+            <p:ph type="body" idx="1"/>
           </p:nvPr>
         </p:nvSpPr>
-        <p:spPr/>
+        <p:spPr>
+          <a:xfrm>
+            <a:off x="457200" y="1151335"/>
+            <a:ext cx="4040188" cy="479822"/>
+          </a:xfrm>
+        </p:spPr>
         <p:txBody>
           <a:bodyPr/>
           <a:lstStyle/>
           <a:p>
-            <a:endParaRPr lang="de-DE"/>
-          </a:p>
-        </p:txBody>
-      </p:sp>
+            <a:pPr algn="ctr"/>
+            <a:r>
+              <a:rPr lang="de-DE" b="0" dirty="0" smtClean="0"/>
+              <a:t>Strahlensatz</a:t>
+            </a:r>
+            <a:endParaRPr lang="de-DE" b="0" dirty="0"/>
+          </a:p>
+        </p:txBody>
+      </p:sp>
+      <p:sp>
+        <p:nvSpPr>
+          <p:cNvPr id="7" name="Textplatzhalter 6"/>
+          <p:cNvSpPr>
+            <a:spLocks noGrp="1"/>
+          </p:cNvSpPr>
+          <p:nvPr>
+            <p:ph type="body" sz="quarter" idx="3"/>
+          </p:nvPr>
+        </p:nvSpPr>
+        <p:spPr>
+          <a:xfrm>
+            <a:off x="4645026" y="1151335"/>
+            <a:ext cx="4041775" cy="479822"/>
+          </a:xfrm>
+        </p:spPr>
+        <p:txBody>
+          <a:bodyPr/>
+          <a:lstStyle/>
+          <a:p>
+            <a:pPr algn="ctr"/>
+            <a:r>
+              <a:rPr lang="de-DE" b="0" dirty="0" err="1" smtClean="0"/>
+              <a:t>Thaleskreis</a:t>
+            </a:r>
+            <a:endParaRPr lang="de-DE" b="0" dirty="0"/>
+          </a:p>
+        </p:txBody>
+      </p:sp>
+      <p:grpSp>
+        <p:nvGrpSpPr>
+          <p:cNvPr id="28" name="Gruppieren 27"/>
+          <p:cNvGrpSpPr/>
+          <p:nvPr/>
+        </p:nvGrpSpPr>
+        <p:grpSpPr>
+          <a:xfrm>
+            <a:off x="673330" y="2589720"/>
+            <a:ext cx="3607928" cy="1641307"/>
+            <a:chOff x="467544" y="2466000"/>
+            <a:chExt cx="4039656" cy="1837707"/>
+          </a:xfrm>
+        </p:grpSpPr>
+        <p:cxnSp>
+          <p:nvCxnSpPr>
+            <p:cNvPr id="26" name="Gerade Verbindung 25"/>
+            <p:cNvCxnSpPr/>
+            <p:nvPr/>
+          </p:nvCxnSpPr>
+          <p:spPr>
+            <a:xfrm rot="900000">
+              <a:off x="1542956" y="2778845"/>
+              <a:ext cx="0" cy="1314000"/>
+            </a:xfrm>
+            <a:prstGeom prst="line">
+              <a:avLst/>
+            </a:prstGeom>
+            <a:ln w="28575">
+              <a:solidFill>
+                <a:schemeClr val="bg2">
+                  <a:lumMod val="90000"/>
+                  <a:lumOff val="10000"/>
+                </a:schemeClr>
+              </a:solidFill>
+              <a:prstDash val="sysDot"/>
+            </a:ln>
+          </p:spPr>
+          <p:style>
+            <a:lnRef idx="1">
+              <a:schemeClr val="accent1"/>
+            </a:lnRef>
+            <a:fillRef idx="0">
+              <a:schemeClr val="accent1"/>
+            </a:fillRef>
+            <a:effectRef idx="0">
+              <a:schemeClr val="accent1"/>
+            </a:effectRef>
+            <a:fontRef idx="minor">
+              <a:schemeClr val="tx1"/>
+            </a:fontRef>
+          </p:style>
+        </p:cxnSp>
+        <p:cxnSp>
+          <p:nvCxnSpPr>
+            <p:cNvPr id="24" name="Gerade Verbindung 23"/>
+            <p:cNvCxnSpPr/>
+            <p:nvPr/>
+          </p:nvCxnSpPr>
+          <p:spPr>
+            <a:xfrm>
+              <a:off x="1706559" y="2567983"/>
+              <a:ext cx="0" cy="1735724"/>
+            </a:xfrm>
+            <a:prstGeom prst="line">
+              <a:avLst/>
+            </a:prstGeom>
+            <a:ln w="28575">
+              <a:solidFill>
+                <a:schemeClr val="bg2">
+                  <a:lumMod val="90000"/>
+                  <a:lumOff val="10000"/>
+                </a:schemeClr>
+              </a:solidFill>
+            </a:ln>
+          </p:spPr>
+          <p:style>
+            <a:lnRef idx="1">
+              <a:schemeClr val="accent1"/>
+            </a:lnRef>
+            <a:fillRef idx="0">
+              <a:schemeClr val="accent1"/>
+            </a:fillRef>
+            <a:effectRef idx="0">
+              <a:schemeClr val="accent1"/>
+            </a:effectRef>
+            <a:fontRef idx="minor">
+              <a:schemeClr val="tx1"/>
+            </a:fontRef>
+          </p:style>
+        </p:cxnSp>
+        <p:cxnSp>
+          <p:nvCxnSpPr>
+            <p:cNvPr id="8" name="Gerade Verbindung 7"/>
+            <p:cNvCxnSpPr/>
+            <p:nvPr/>
+          </p:nvCxnSpPr>
+          <p:spPr>
+            <a:xfrm>
+              <a:off x="467544" y="3435845"/>
+              <a:ext cx="4039200" cy="0"/>
+            </a:xfrm>
+            <a:prstGeom prst="line">
+              <a:avLst/>
+            </a:prstGeom>
+            <a:ln>
+              <a:solidFill>
+                <a:schemeClr val="tx1"/>
+              </a:solidFill>
+            </a:ln>
+          </p:spPr>
+          <p:style>
+            <a:lnRef idx="2">
+              <a:schemeClr val="dk1">
+                <a:shade val="50000"/>
+              </a:schemeClr>
+            </a:lnRef>
+            <a:fillRef idx="1">
+              <a:schemeClr val="dk1"/>
+            </a:fillRef>
+            <a:effectRef idx="0">
+              <a:schemeClr val="dk1"/>
+            </a:effectRef>
+            <a:fontRef idx="minor">
+              <a:schemeClr val="lt1"/>
+            </a:fontRef>
+          </p:style>
+        </p:cxnSp>
+        <p:cxnSp>
+          <p:nvCxnSpPr>
+            <p:cNvPr id="13" name="Gerade Verbindung 12"/>
+            <p:cNvCxnSpPr/>
+            <p:nvPr/>
+          </p:nvCxnSpPr>
+          <p:spPr>
+            <a:xfrm>
+              <a:off x="468000" y="2466000"/>
+              <a:ext cx="4039200" cy="1080000"/>
+            </a:xfrm>
+            <a:prstGeom prst="line">
+              <a:avLst/>
+            </a:prstGeom>
+            <a:ln>
+              <a:solidFill>
+                <a:schemeClr val="accent1"/>
+              </a:solidFill>
+            </a:ln>
+          </p:spPr>
+          <p:style>
+            <a:lnRef idx="2">
+              <a:schemeClr val="dk1">
+                <a:shade val="50000"/>
+              </a:schemeClr>
+            </a:lnRef>
+            <a:fillRef idx="1">
+              <a:schemeClr val="dk1"/>
+            </a:fillRef>
+            <a:effectRef idx="0">
+              <a:schemeClr val="dk1"/>
+            </a:effectRef>
+            <a:fontRef idx="minor">
+              <a:schemeClr val="lt1"/>
+            </a:fontRef>
+          </p:style>
+        </p:cxnSp>
+        <p:sp>
+          <p:nvSpPr>
+            <p:cNvPr id="17" name="Ellipse 16"/>
+            <p:cNvSpPr/>
+            <p:nvPr/>
+          </p:nvSpPr>
+          <p:spPr>
+            <a:xfrm>
+              <a:off x="881197" y="2778845"/>
+              <a:ext cx="1314000" cy="1314000"/>
+            </a:xfrm>
+            <a:prstGeom prst="ellipse">
+              <a:avLst/>
+            </a:prstGeom>
+            <a:noFill/>
+            <a:ln>
+              <a:solidFill>
+                <a:schemeClr val="accent1"/>
+              </a:solidFill>
+            </a:ln>
+          </p:spPr>
+          <p:style>
+            <a:lnRef idx="2">
+              <a:schemeClr val="accent1">
+                <a:shade val="50000"/>
+              </a:schemeClr>
+            </a:lnRef>
+            <a:fillRef idx="1">
+              <a:schemeClr val="accent1"/>
+            </a:fillRef>
+            <a:effectRef idx="0">
+              <a:schemeClr val="accent1"/>
+            </a:effectRef>
+            <a:fontRef idx="minor">
+              <a:schemeClr val="lt1"/>
+            </a:fontRef>
+          </p:style>
+          <p:txBody>
+            <a:bodyPr rtlCol="0" anchor="ctr"/>
+            <a:lstStyle/>
+            <a:p>
+              <a:pPr algn="ctr"/>
+              <a:endParaRPr lang="de-DE"/>
+            </a:p>
+          </p:txBody>
+        </p:sp>
+        <p:sp>
+          <p:nvSpPr>
+            <p:cNvPr id="10" name="Ellipse 9"/>
+            <p:cNvSpPr/>
+            <p:nvPr/>
+          </p:nvSpPr>
+          <p:spPr>
+            <a:xfrm>
+              <a:off x="2146489" y="3388933"/>
+              <a:ext cx="97330" cy="97200"/>
+            </a:xfrm>
+            <a:prstGeom prst="ellipse">
+              <a:avLst/>
+            </a:prstGeom>
+            <a:solidFill>
+              <a:schemeClr val="tx2"/>
+            </a:solidFill>
+            <a:ln>
+              <a:solidFill>
+                <a:schemeClr val="tx1"/>
+              </a:solidFill>
+            </a:ln>
+          </p:spPr>
+          <p:style>
+            <a:lnRef idx="2">
+              <a:schemeClr val="dk1">
+                <a:shade val="50000"/>
+              </a:schemeClr>
+            </a:lnRef>
+            <a:fillRef idx="1">
+              <a:schemeClr val="dk1"/>
+            </a:fillRef>
+            <a:effectRef idx="0">
+              <a:schemeClr val="dk1"/>
+            </a:effectRef>
+            <a:fontRef idx="minor">
+              <a:schemeClr val="lt1"/>
+            </a:fontRef>
+          </p:style>
+          <p:txBody>
+            <a:bodyPr rtlCol="0" anchor="ctr"/>
+            <a:lstStyle/>
+            <a:p>
+              <a:pPr algn="ctr"/>
+              <a:endParaRPr lang="de-DE"/>
+            </a:p>
+          </p:txBody>
+        </p:sp>
+        <p:sp>
+          <p:nvSpPr>
+            <p:cNvPr id="11" name="Ellipse 10"/>
+            <p:cNvSpPr/>
+            <p:nvPr/>
+          </p:nvSpPr>
+          <p:spPr>
+            <a:xfrm>
+              <a:off x="1657894" y="3388933"/>
+              <a:ext cx="97330" cy="97200"/>
+            </a:xfrm>
+            <a:prstGeom prst="ellipse">
+              <a:avLst/>
+            </a:prstGeom>
+            <a:solidFill>
+              <a:schemeClr val="tx2"/>
+            </a:solidFill>
+            <a:ln>
+              <a:solidFill>
+                <a:schemeClr val="tx1"/>
+              </a:solidFill>
+            </a:ln>
+          </p:spPr>
+          <p:style>
+            <a:lnRef idx="2">
+              <a:schemeClr val="dk1">
+                <a:shade val="50000"/>
+              </a:schemeClr>
+            </a:lnRef>
+            <a:fillRef idx="1">
+              <a:schemeClr val="dk1"/>
+            </a:fillRef>
+            <a:effectRef idx="0">
+              <a:schemeClr val="dk1"/>
+            </a:effectRef>
+            <a:fontRef idx="minor">
+              <a:schemeClr val="lt1"/>
+            </a:fontRef>
+          </p:style>
+          <p:txBody>
+            <a:bodyPr rtlCol="0" anchor="ctr"/>
+            <a:lstStyle/>
+            <a:p>
+              <a:pPr algn="ctr"/>
+              <a:endParaRPr lang="de-DE"/>
+            </a:p>
+          </p:txBody>
+        </p:sp>
+        <p:sp>
+          <p:nvSpPr>
+            <p:cNvPr id="12" name="Ellipse 11"/>
+            <p:cNvSpPr/>
+            <p:nvPr/>
+          </p:nvSpPr>
+          <p:spPr>
+            <a:xfrm>
+              <a:off x="832532" y="3388933"/>
+              <a:ext cx="97330" cy="97200"/>
+            </a:xfrm>
+            <a:prstGeom prst="ellipse">
+              <a:avLst/>
+            </a:prstGeom>
+            <a:solidFill>
+              <a:schemeClr val="tx2"/>
+            </a:solidFill>
+            <a:ln>
+              <a:solidFill>
+                <a:schemeClr val="tx1"/>
+              </a:solidFill>
+            </a:ln>
+          </p:spPr>
+          <p:style>
+            <a:lnRef idx="2">
+              <a:schemeClr val="dk1">
+                <a:shade val="50000"/>
+              </a:schemeClr>
+            </a:lnRef>
+            <a:fillRef idx="1">
+              <a:schemeClr val="dk1"/>
+            </a:fillRef>
+            <a:effectRef idx="0">
+              <a:schemeClr val="dk1"/>
+            </a:effectRef>
+            <a:fontRef idx="minor">
+              <a:schemeClr val="lt1"/>
+            </a:fontRef>
+          </p:style>
+          <p:txBody>
+            <a:bodyPr rtlCol="0" anchor="ctr"/>
+            <a:lstStyle/>
+            <a:p>
+              <a:pPr algn="ctr"/>
+              <a:endParaRPr lang="de-DE"/>
+            </a:p>
+          </p:txBody>
+        </p:sp>
+        <p:sp>
+          <p:nvSpPr>
+            <p:cNvPr id="9" name="Ellipse 8"/>
+            <p:cNvSpPr/>
+            <p:nvPr/>
+          </p:nvSpPr>
+          <p:spPr>
+            <a:xfrm>
+              <a:off x="4075472" y="3388933"/>
+              <a:ext cx="97330" cy="97200"/>
+            </a:xfrm>
+            <a:prstGeom prst="ellipse">
+              <a:avLst/>
+            </a:prstGeom>
+            <a:solidFill>
+              <a:schemeClr val="tx2"/>
+            </a:solidFill>
+            <a:ln>
+              <a:solidFill>
+                <a:schemeClr val="tx1"/>
+              </a:solidFill>
+            </a:ln>
+          </p:spPr>
+          <p:style>
+            <a:lnRef idx="2">
+              <a:schemeClr val="dk1">
+                <a:shade val="50000"/>
+              </a:schemeClr>
+            </a:lnRef>
+            <a:fillRef idx="1">
+              <a:schemeClr val="dk1"/>
+            </a:fillRef>
+            <a:effectRef idx="0">
+              <a:schemeClr val="dk1"/>
+            </a:effectRef>
+            <a:fontRef idx="minor">
+              <a:schemeClr val="lt1"/>
+            </a:fontRef>
+          </p:style>
+          <p:txBody>
+            <a:bodyPr rtlCol="0" anchor="ctr"/>
+            <a:lstStyle/>
+            <a:p>
+              <a:pPr algn="ctr"/>
+              <a:endParaRPr lang="de-DE"/>
+            </a:p>
+          </p:txBody>
+        </p:sp>
+        <p:sp>
+          <p:nvSpPr>
+            <p:cNvPr id="27" name="Ellipse 26"/>
+            <p:cNvSpPr/>
+            <p:nvPr/>
+          </p:nvSpPr>
+          <p:spPr>
+            <a:xfrm>
+              <a:off x="1489532" y="3388933"/>
+              <a:ext cx="97330" cy="97200"/>
+            </a:xfrm>
+            <a:prstGeom prst="ellipse">
+              <a:avLst/>
+            </a:prstGeom>
+            <a:solidFill>
+              <a:schemeClr val="bg2">
+                <a:lumMod val="50000"/>
+                <a:lumOff val="50000"/>
+              </a:schemeClr>
+            </a:solidFill>
+            <a:ln>
+              <a:solidFill>
+                <a:schemeClr val="bg2"/>
+              </a:solidFill>
+            </a:ln>
+          </p:spPr>
+          <p:style>
+            <a:lnRef idx="2">
+              <a:schemeClr val="dk1">
+                <a:shade val="50000"/>
+              </a:schemeClr>
+            </a:lnRef>
+            <a:fillRef idx="1">
+              <a:schemeClr val="dk1"/>
+            </a:fillRef>
+            <a:effectRef idx="0">
+              <a:schemeClr val="dk1"/>
+            </a:effectRef>
+            <a:fontRef idx="minor">
+              <a:schemeClr val="lt1"/>
+            </a:fontRef>
+          </p:style>
+          <p:txBody>
+            <a:bodyPr rtlCol="0" anchor="ctr"/>
+            <a:lstStyle/>
+            <a:p>
+              <a:pPr algn="ctr"/>
+              <a:endParaRPr lang="de-DE"/>
+            </a:p>
+          </p:txBody>
+        </p:sp>
+      </p:grpSp>
+      <p:sp>
+        <p:nvSpPr>
+          <p:cNvPr id="34" name="Textfeld 33"/>
+          <p:cNvSpPr txBox="1"/>
+          <p:nvPr/>
+        </p:nvSpPr>
+        <p:spPr>
+          <a:xfrm>
+            <a:off x="1232231" y="3174922"/>
+            <a:ext cx="452071" cy="307777"/>
+          </a:xfrm>
+          <a:prstGeom prst="rect">
+            <a:avLst/>
+          </a:prstGeom>
+          <a:noFill/>
+        </p:spPr>
+        <p:txBody>
+          <a:bodyPr wrap="square" rtlCol="0">
+            <a:spAutoFit/>
+          </a:bodyPr>
+          <a:lstStyle/>
+          <a:p>
+            <a:pPr algn="ctr"/>
+            <a:r>
+              <a:rPr lang="de-DE" sz="1400" dirty="0" smtClean="0">
+                <a:solidFill>
+                  <a:schemeClr val="bg2">
+                    <a:lumMod val="90000"/>
+                    <a:lumOff val="10000"/>
+                  </a:schemeClr>
+                </a:solidFill>
+              </a:rPr>
+              <a:t>M</a:t>
+            </a:r>
+            <a:endParaRPr lang="de-DE" sz="1400" dirty="0">
+              <a:solidFill>
+                <a:schemeClr val="bg2">
+                  <a:lumMod val="90000"/>
+                  <a:lumOff val="10000"/>
+                </a:schemeClr>
+              </a:solidFill>
+            </a:endParaRPr>
+          </a:p>
+        </p:txBody>
+      </p:sp>
+      <p:grpSp>
+        <p:nvGrpSpPr>
+          <p:cNvPr id="78" name="Gruppieren 77"/>
+          <p:cNvGrpSpPr/>
+          <p:nvPr/>
+        </p:nvGrpSpPr>
+        <p:grpSpPr>
+          <a:xfrm>
+            <a:off x="4861904" y="1969259"/>
+            <a:ext cx="3608019" cy="2314741"/>
+            <a:chOff x="672832" y="3029966"/>
+            <a:chExt cx="3608019" cy="2314741"/>
+          </a:xfrm>
+        </p:grpSpPr>
+        <p:sp>
+          <p:nvSpPr>
+            <p:cNvPr id="159" name="Textfeld 158"/>
+            <p:cNvSpPr txBox="1"/>
+            <p:nvPr/>
+          </p:nvSpPr>
+          <p:spPr>
+            <a:xfrm>
+              <a:off x="2599556" y="3765542"/>
+              <a:ext cx="452071" cy="307777"/>
+            </a:xfrm>
+            <a:prstGeom prst="rect">
+              <a:avLst/>
+            </a:prstGeom>
+            <a:noFill/>
+          </p:spPr>
+          <p:txBody>
+            <a:bodyPr wrap="square" rtlCol="0">
+              <a:spAutoFit/>
+            </a:bodyPr>
+            <a:lstStyle/>
+            <a:p>
+              <a:pPr algn="ctr"/>
+              <a:r>
+                <a:rPr lang="de-DE" sz="1400" dirty="0" smtClean="0">
+                  <a:solidFill>
+                    <a:schemeClr val="bg2">
+                      <a:lumMod val="90000"/>
+                      <a:lumOff val="10000"/>
+                    </a:schemeClr>
+                  </a:solidFill>
+                </a:rPr>
+                <a:t>Q‘</a:t>
+              </a:r>
+              <a:endParaRPr lang="de-DE" sz="1400" dirty="0">
+                <a:solidFill>
+                  <a:schemeClr val="bg2">
+                    <a:lumMod val="90000"/>
+                    <a:lumOff val="10000"/>
+                  </a:schemeClr>
+                </a:solidFill>
+              </a:endParaRPr>
+            </a:p>
+          </p:txBody>
+        </p:sp>
+        <p:cxnSp>
+          <p:nvCxnSpPr>
+            <p:cNvPr id="84" name="Gerade Verbindung 83"/>
+            <p:cNvCxnSpPr/>
+            <p:nvPr/>
+          </p:nvCxnSpPr>
+          <p:spPr>
+            <a:xfrm>
+              <a:off x="672832" y="3029966"/>
+              <a:ext cx="3608019" cy="1763966"/>
+            </a:xfrm>
+            <a:prstGeom prst="line">
+              <a:avLst/>
+            </a:prstGeom>
+            <a:ln>
+              <a:solidFill>
+                <a:schemeClr val="accent1"/>
+              </a:solidFill>
+            </a:ln>
+          </p:spPr>
+          <p:style>
+            <a:lnRef idx="2">
+              <a:schemeClr val="dk1">
+                <a:shade val="50000"/>
+              </a:schemeClr>
+            </a:lnRef>
+            <a:fillRef idx="1">
+              <a:schemeClr val="dk1"/>
+            </a:fillRef>
+            <a:effectRef idx="0">
+              <a:schemeClr val="dk1"/>
+            </a:effectRef>
+            <a:fontRef idx="minor">
+              <a:schemeClr val="lt1"/>
+            </a:fontRef>
+          </p:style>
+        </p:cxnSp>
+        <p:cxnSp>
+          <p:nvCxnSpPr>
+            <p:cNvPr id="88" name="Gerade Verbindung 87"/>
+            <p:cNvCxnSpPr/>
+            <p:nvPr/>
+          </p:nvCxnSpPr>
+          <p:spPr>
+            <a:xfrm>
+              <a:off x="672832" y="4500000"/>
+              <a:ext cx="3607521" cy="0"/>
+            </a:xfrm>
+            <a:prstGeom prst="line">
+              <a:avLst/>
+            </a:prstGeom>
+            <a:ln>
+              <a:solidFill>
+                <a:schemeClr val="tx1"/>
+              </a:solidFill>
+            </a:ln>
+          </p:spPr>
+          <p:style>
+            <a:lnRef idx="2">
+              <a:schemeClr val="dk1">
+                <a:shade val="50000"/>
+              </a:schemeClr>
+            </a:lnRef>
+            <a:fillRef idx="1">
+              <a:schemeClr val="dk1"/>
+            </a:fillRef>
+            <a:effectRef idx="0">
+              <a:schemeClr val="dk1"/>
+            </a:effectRef>
+            <a:fontRef idx="minor">
+              <a:schemeClr val="lt1"/>
+            </a:fontRef>
+          </p:style>
+        </p:cxnSp>
+        <p:cxnSp>
+          <p:nvCxnSpPr>
+            <p:cNvPr id="133" name="Gerade Verbindung 132"/>
+            <p:cNvCxnSpPr/>
+            <p:nvPr/>
+          </p:nvCxnSpPr>
+          <p:spPr>
+            <a:xfrm>
+              <a:off x="672832" y="3616707"/>
+              <a:ext cx="3608019" cy="1728000"/>
+            </a:xfrm>
+            <a:prstGeom prst="line">
+              <a:avLst/>
+            </a:prstGeom>
+            <a:ln>
+              <a:solidFill>
+                <a:schemeClr val="bg2">
+                  <a:lumMod val="90000"/>
+                  <a:lumOff val="10000"/>
+                </a:schemeClr>
+              </a:solidFill>
+              <a:prstDash val="sysDot"/>
+            </a:ln>
+          </p:spPr>
+          <p:style>
+            <a:lnRef idx="2">
+              <a:schemeClr val="dk1">
+                <a:shade val="50000"/>
+              </a:schemeClr>
+            </a:lnRef>
+            <a:fillRef idx="1">
+              <a:schemeClr val="dk1"/>
+            </a:fillRef>
+            <a:effectRef idx="0">
+              <a:schemeClr val="dk1"/>
+            </a:effectRef>
+            <a:fontRef idx="minor">
+              <a:schemeClr val="lt1"/>
+            </a:fontRef>
+          </p:style>
+        </p:cxnSp>
+        <p:cxnSp>
+          <p:nvCxnSpPr>
+            <p:cNvPr id="141" name="Gerade Verbindung 140"/>
+            <p:cNvCxnSpPr/>
+            <p:nvPr/>
+          </p:nvCxnSpPr>
+          <p:spPr>
+            <a:xfrm flipH="1">
+              <a:off x="871710" y="3029966"/>
+              <a:ext cx="603946" cy="2113534"/>
+            </a:xfrm>
+            <a:prstGeom prst="line">
+              <a:avLst/>
+            </a:prstGeom>
+            <a:ln>
+              <a:solidFill>
+                <a:schemeClr val="accent1"/>
+              </a:solidFill>
+            </a:ln>
+          </p:spPr>
+          <p:style>
+            <a:lnRef idx="2">
+              <a:schemeClr val="dk1">
+                <a:shade val="50000"/>
+              </a:schemeClr>
+            </a:lnRef>
+            <a:fillRef idx="1">
+              <a:schemeClr val="dk1"/>
+            </a:fillRef>
+            <a:effectRef idx="0">
+              <a:schemeClr val="dk1"/>
+            </a:effectRef>
+            <a:fontRef idx="minor">
+              <a:schemeClr val="lt1"/>
+            </a:fontRef>
+          </p:style>
+        </p:cxnSp>
+        <p:cxnSp>
+          <p:nvCxnSpPr>
+            <p:cNvPr id="145" name="Gerade Verbindung 144"/>
+            <p:cNvCxnSpPr/>
+            <p:nvPr/>
+          </p:nvCxnSpPr>
+          <p:spPr>
+            <a:xfrm flipH="1">
+              <a:off x="2319310" y="3029966"/>
+              <a:ext cx="603946" cy="2113534"/>
+            </a:xfrm>
+            <a:prstGeom prst="line">
+              <a:avLst/>
+            </a:prstGeom>
+            <a:ln>
+              <a:solidFill>
+                <a:schemeClr val="accent1"/>
+              </a:solidFill>
+            </a:ln>
+          </p:spPr>
+          <p:style>
+            <a:lnRef idx="2">
+              <a:schemeClr val="dk1">
+                <a:shade val="50000"/>
+              </a:schemeClr>
+            </a:lnRef>
+            <a:fillRef idx="1">
+              <a:schemeClr val="dk1"/>
+            </a:fillRef>
+            <a:effectRef idx="0">
+              <a:schemeClr val="dk1"/>
+            </a:effectRef>
+            <a:fontRef idx="minor">
+              <a:schemeClr val="lt1"/>
+            </a:fontRef>
+          </p:style>
+        </p:cxnSp>
+        <p:cxnSp>
+          <p:nvCxnSpPr>
+            <p:cNvPr id="149" name="Gerade Verbindung 148"/>
+            <p:cNvCxnSpPr/>
+            <p:nvPr/>
+          </p:nvCxnSpPr>
+          <p:spPr>
+            <a:xfrm>
+              <a:off x="1141200" y="3029966"/>
+              <a:ext cx="1332000" cy="2113534"/>
+            </a:xfrm>
+            <a:prstGeom prst="line">
+              <a:avLst/>
+            </a:prstGeom>
+            <a:ln>
+              <a:solidFill>
+                <a:schemeClr val="bg2">
+                  <a:lumMod val="90000"/>
+                  <a:lumOff val="10000"/>
+                </a:schemeClr>
+              </a:solidFill>
+            </a:ln>
+          </p:spPr>
+          <p:style>
+            <a:lnRef idx="2">
+              <a:schemeClr val="dk1">
+                <a:shade val="50000"/>
+              </a:schemeClr>
+            </a:lnRef>
+            <a:fillRef idx="1">
+              <a:schemeClr val="dk1"/>
+            </a:fillRef>
+            <a:effectRef idx="0">
+              <a:schemeClr val="dk1"/>
+            </a:effectRef>
+            <a:fontRef idx="minor">
+              <a:schemeClr val="lt1"/>
+            </a:fontRef>
+          </p:style>
+        </p:cxnSp>
+        <p:sp>
+          <p:nvSpPr>
+            <p:cNvPr id="89" name="Ellipse 88"/>
+            <p:cNvSpPr/>
+            <p:nvPr/>
+          </p:nvSpPr>
+          <p:spPr>
+            <a:xfrm>
+              <a:off x="3632020" y="4456594"/>
+              <a:ext cx="86928" cy="86812"/>
+            </a:xfrm>
+            <a:prstGeom prst="ellipse">
+              <a:avLst/>
+            </a:prstGeom>
+            <a:solidFill>
+              <a:schemeClr val="tx2"/>
+            </a:solidFill>
+            <a:ln>
+              <a:solidFill>
+                <a:schemeClr val="tx1"/>
+              </a:solidFill>
+            </a:ln>
+          </p:spPr>
+          <p:style>
+            <a:lnRef idx="2">
+              <a:schemeClr val="dk1">
+                <a:shade val="50000"/>
+              </a:schemeClr>
+            </a:lnRef>
+            <a:fillRef idx="1">
+              <a:schemeClr val="dk1"/>
+            </a:fillRef>
+            <a:effectRef idx="0">
+              <a:schemeClr val="dk1"/>
+            </a:effectRef>
+            <a:fontRef idx="minor">
+              <a:schemeClr val="lt1"/>
+            </a:fontRef>
+          </p:style>
+          <p:txBody>
+            <a:bodyPr rtlCol="0" anchor="ctr"/>
+            <a:lstStyle/>
+            <a:p>
+              <a:pPr algn="ctr"/>
+              <a:endParaRPr lang="de-DE"/>
+            </a:p>
+          </p:txBody>
+        </p:sp>
+        <p:sp>
+          <p:nvSpPr>
+            <p:cNvPr id="138" name="Ellipse 137"/>
+            <p:cNvSpPr/>
+            <p:nvPr/>
+          </p:nvSpPr>
+          <p:spPr>
+            <a:xfrm>
+              <a:off x="2465901" y="4456594"/>
+              <a:ext cx="86928" cy="86812"/>
+            </a:xfrm>
+            <a:prstGeom prst="ellipse">
+              <a:avLst/>
+            </a:prstGeom>
+            <a:solidFill>
+              <a:schemeClr val="tx2"/>
+            </a:solidFill>
+            <a:ln>
+              <a:solidFill>
+                <a:schemeClr val="tx1"/>
+              </a:solidFill>
+            </a:ln>
+          </p:spPr>
+          <p:style>
+            <a:lnRef idx="2">
+              <a:schemeClr val="dk1">
+                <a:shade val="50000"/>
+              </a:schemeClr>
+            </a:lnRef>
+            <a:fillRef idx="1">
+              <a:schemeClr val="dk1"/>
+            </a:fillRef>
+            <a:effectRef idx="0">
+              <a:schemeClr val="dk1"/>
+            </a:effectRef>
+            <a:fontRef idx="minor">
+              <a:schemeClr val="lt1"/>
+            </a:fontRef>
+          </p:style>
+          <p:txBody>
+            <a:bodyPr rtlCol="0" anchor="ctr"/>
+            <a:lstStyle/>
+            <a:p>
+              <a:pPr algn="ctr"/>
+              <a:endParaRPr lang="de-DE"/>
+            </a:p>
+          </p:txBody>
+        </p:sp>
+        <p:sp>
+          <p:nvSpPr>
+            <p:cNvPr id="139" name="Ellipse 138"/>
+            <p:cNvSpPr/>
+            <p:nvPr/>
+          </p:nvSpPr>
+          <p:spPr>
+            <a:xfrm>
+              <a:off x="1008000" y="4456594"/>
+              <a:ext cx="86928" cy="86812"/>
+            </a:xfrm>
+            <a:prstGeom prst="ellipse">
+              <a:avLst/>
+            </a:prstGeom>
+            <a:solidFill>
+              <a:schemeClr val="tx2"/>
+            </a:solidFill>
+            <a:ln>
+              <a:solidFill>
+                <a:schemeClr val="tx1"/>
+              </a:solidFill>
+            </a:ln>
+          </p:spPr>
+          <p:style>
+            <a:lnRef idx="2">
+              <a:schemeClr val="dk1">
+                <a:shade val="50000"/>
+              </a:schemeClr>
+            </a:lnRef>
+            <a:fillRef idx="1">
+              <a:schemeClr val="dk1"/>
+            </a:fillRef>
+            <a:effectRef idx="0">
+              <a:schemeClr val="dk1"/>
+            </a:effectRef>
+            <a:fontRef idx="minor">
+              <a:schemeClr val="lt1"/>
+            </a:fontRef>
+          </p:style>
+          <p:txBody>
+            <a:bodyPr rtlCol="0" anchor="ctr"/>
+            <a:lstStyle/>
+            <a:p>
+              <a:pPr algn="ctr"/>
+              <a:endParaRPr lang="de-DE"/>
+            </a:p>
+          </p:txBody>
+        </p:sp>
+        <p:sp>
+          <p:nvSpPr>
+            <p:cNvPr id="140" name="Ellipse 139"/>
+            <p:cNvSpPr/>
+            <p:nvPr/>
+          </p:nvSpPr>
+          <p:spPr>
+            <a:xfrm>
+              <a:off x="2026800" y="4456594"/>
+              <a:ext cx="86928" cy="86812"/>
+            </a:xfrm>
+            <a:prstGeom prst="ellipse">
+              <a:avLst/>
+            </a:prstGeom>
+            <a:solidFill>
+              <a:schemeClr val="tx2"/>
+            </a:solidFill>
+            <a:ln>
+              <a:solidFill>
+                <a:schemeClr val="tx1"/>
+              </a:solidFill>
+            </a:ln>
+          </p:spPr>
+          <p:style>
+            <a:lnRef idx="2">
+              <a:schemeClr val="dk1">
+                <a:shade val="50000"/>
+              </a:schemeClr>
+            </a:lnRef>
+            <a:fillRef idx="1">
+              <a:schemeClr val="dk1"/>
+            </a:fillRef>
+            <a:effectRef idx="0">
+              <a:schemeClr val="dk1"/>
+            </a:effectRef>
+            <a:fontRef idx="minor">
+              <a:schemeClr val="lt1"/>
+            </a:fontRef>
+          </p:style>
+          <p:txBody>
+            <a:bodyPr rtlCol="0" anchor="ctr"/>
+            <a:lstStyle/>
+            <a:p>
+              <a:pPr algn="ctr"/>
+              <a:endParaRPr lang="de-DE"/>
+            </a:p>
+          </p:txBody>
+        </p:sp>
+        <p:sp>
+          <p:nvSpPr>
+            <p:cNvPr id="147" name="Ellipse 146"/>
+            <p:cNvSpPr/>
+            <p:nvPr/>
+          </p:nvSpPr>
+          <p:spPr>
+            <a:xfrm>
+              <a:off x="2610000" y="3960000"/>
+              <a:ext cx="86928" cy="86812"/>
+            </a:xfrm>
+            <a:prstGeom prst="ellipse">
+              <a:avLst/>
+            </a:prstGeom>
+            <a:solidFill>
+              <a:schemeClr val="bg2">
+                <a:lumMod val="50000"/>
+                <a:lumOff val="50000"/>
+              </a:schemeClr>
+            </a:solidFill>
+            <a:ln>
+              <a:solidFill>
+                <a:schemeClr val="bg2"/>
+              </a:solidFill>
+            </a:ln>
+          </p:spPr>
+          <p:style>
+            <a:lnRef idx="2">
+              <a:schemeClr val="dk1">
+                <a:shade val="50000"/>
+              </a:schemeClr>
+            </a:lnRef>
+            <a:fillRef idx="1">
+              <a:schemeClr val="dk1"/>
+            </a:fillRef>
+            <a:effectRef idx="0">
+              <a:schemeClr val="dk1"/>
+            </a:effectRef>
+            <a:fontRef idx="minor">
+              <a:schemeClr val="lt1"/>
+            </a:fontRef>
+          </p:style>
+          <p:txBody>
+            <a:bodyPr rtlCol="0" anchor="ctr"/>
+            <a:lstStyle/>
+            <a:p>
+              <a:pPr algn="ctr"/>
+              <a:endParaRPr lang="de-DE"/>
+            </a:p>
+          </p:txBody>
+        </p:sp>
+        <p:sp>
+          <p:nvSpPr>
+            <p:cNvPr id="148" name="Ellipse 147"/>
+            <p:cNvSpPr/>
+            <p:nvPr/>
+          </p:nvSpPr>
+          <p:spPr>
+            <a:xfrm>
+              <a:off x="1332000" y="3330000"/>
+              <a:ext cx="86928" cy="86812"/>
+            </a:xfrm>
+            <a:prstGeom prst="ellipse">
+              <a:avLst/>
+            </a:prstGeom>
+            <a:solidFill>
+              <a:schemeClr val="bg2">
+                <a:lumMod val="50000"/>
+                <a:lumOff val="50000"/>
+              </a:schemeClr>
+            </a:solidFill>
+            <a:ln>
+              <a:solidFill>
+                <a:schemeClr val="bg2"/>
+              </a:solidFill>
+            </a:ln>
+          </p:spPr>
+          <p:style>
+            <a:lnRef idx="2">
+              <a:schemeClr val="dk1">
+                <a:shade val="50000"/>
+              </a:schemeClr>
+            </a:lnRef>
+            <a:fillRef idx="1">
+              <a:schemeClr val="dk1"/>
+            </a:fillRef>
+            <a:effectRef idx="0">
+              <a:schemeClr val="dk1"/>
+            </a:effectRef>
+            <a:fontRef idx="minor">
+              <a:schemeClr val="lt1"/>
+            </a:fontRef>
+          </p:style>
+          <p:txBody>
+            <a:bodyPr rtlCol="0" anchor="ctr"/>
+            <a:lstStyle/>
+            <a:p>
+              <a:pPr algn="ctr"/>
+              <a:endParaRPr lang="de-DE"/>
+            </a:p>
+          </p:txBody>
+        </p:sp>
+        <p:sp>
+          <p:nvSpPr>
+            <p:cNvPr id="157" name="Ellipse 156"/>
+            <p:cNvSpPr/>
+            <p:nvPr/>
+          </p:nvSpPr>
+          <p:spPr>
+            <a:xfrm>
+              <a:off x="2322000" y="4932000"/>
+              <a:ext cx="86928" cy="86812"/>
+            </a:xfrm>
+            <a:prstGeom prst="ellipse">
+              <a:avLst/>
+            </a:prstGeom>
+            <a:solidFill>
+              <a:schemeClr val="bg2">
+                <a:lumMod val="50000"/>
+                <a:lumOff val="50000"/>
+              </a:schemeClr>
+            </a:solidFill>
+            <a:ln>
+              <a:solidFill>
+                <a:schemeClr val="bg2"/>
+              </a:solidFill>
+            </a:ln>
+          </p:spPr>
+          <p:style>
+            <a:lnRef idx="2">
+              <a:schemeClr val="dk1">
+                <a:shade val="50000"/>
+              </a:schemeClr>
+            </a:lnRef>
+            <a:fillRef idx="1">
+              <a:schemeClr val="dk1"/>
+            </a:fillRef>
+            <a:effectRef idx="0">
+              <a:schemeClr val="dk1"/>
+            </a:effectRef>
+            <a:fontRef idx="minor">
+              <a:schemeClr val="lt1"/>
+            </a:fontRef>
+          </p:style>
+          <p:txBody>
+            <a:bodyPr rtlCol="0" anchor="ctr"/>
+            <a:lstStyle/>
+            <a:p>
+              <a:pPr algn="ctr"/>
+              <a:endParaRPr lang="de-DE"/>
+            </a:p>
+          </p:txBody>
+        </p:sp>
+        <p:sp>
+          <p:nvSpPr>
+            <p:cNvPr id="160" name="Textfeld 159"/>
+            <p:cNvSpPr txBox="1"/>
+            <p:nvPr/>
+          </p:nvSpPr>
+          <p:spPr>
+            <a:xfrm>
+              <a:off x="2345880" y="4821517"/>
+              <a:ext cx="452071" cy="307777"/>
+            </a:xfrm>
+            <a:prstGeom prst="rect">
+              <a:avLst/>
+            </a:prstGeom>
+            <a:noFill/>
+          </p:spPr>
+          <p:txBody>
+            <a:bodyPr wrap="square" rtlCol="0">
+              <a:spAutoFit/>
+            </a:bodyPr>
+            <a:lstStyle/>
+            <a:p>
+              <a:pPr algn="ctr"/>
+              <a:r>
+                <a:rPr lang="de-DE" sz="1400" smtClean="0">
+                  <a:solidFill>
+                    <a:schemeClr val="bg2">
+                      <a:lumMod val="90000"/>
+                      <a:lumOff val="10000"/>
+                    </a:schemeClr>
+                  </a:solidFill>
+                </a:rPr>
+                <a:t>Q</a:t>
+              </a:r>
+              <a:endParaRPr lang="de-DE" sz="1400" dirty="0">
+                <a:solidFill>
+                  <a:schemeClr val="bg2">
+                    <a:lumMod val="90000"/>
+                    <a:lumOff val="10000"/>
+                  </a:schemeClr>
+                </a:solidFill>
+              </a:endParaRPr>
+            </a:p>
+          </p:txBody>
+        </p:sp>
+        <p:sp>
+          <p:nvSpPr>
+            <p:cNvPr id="161" name="Textfeld 160"/>
+            <p:cNvSpPr txBox="1"/>
+            <p:nvPr/>
+          </p:nvSpPr>
+          <p:spPr>
+            <a:xfrm>
+              <a:off x="1340991" y="3138661"/>
+              <a:ext cx="452071" cy="307777"/>
+            </a:xfrm>
+            <a:prstGeom prst="rect">
+              <a:avLst/>
+            </a:prstGeom>
+            <a:noFill/>
+          </p:spPr>
+          <p:txBody>
+            <a:bodyPr wrap="square" rtlCol="0">
+              <a:spAutoFit/>
+            </a:bodyPr>
+            <a:lstStyle/>
+            <a:p>
+              <a:pPr algn="ctr"/>
+              <a:r>
+                <a:rPr lang="de-DE" sz="1400" dirty="0" smtClean="0">
+                  <a:solidFill>
+                    <a:schemeClr val="bg2">
+                      <a:lumMod val="90000"/>
+                      <a:lumOff val="10000"/>
+                    </a:schemeClr>
+                  </a:solidFill>
+                </a:rPr>
+                <a:t>P</a:t>
+              </a:r>
+              <a:endParaRPr lang="de-DE" sz="1400" dirty="0">
+                <a:solidFill>
+                  <a:schemeClr val="bg2">
+                    <a:lumMod val="90000"/>
+                    <a:lumOff val="10000"/>
+                  </a:schemeClr>
+                </a:solidFill>
+              </a:endParaRPr>
+            </a:p>
+          </p:txBody>
+        </p:sp>
+      </p:grpSp>
     </p:spTree>
     <p:extLst>
       <p:ext uri="{BB962C8B-B14F-4D97-AF65-F5344CB8AC3E}">
-        <p14:creationId xmlns:p14="http://schemas.microsoft.com/office/powerpoint/2010/main" val="1754371687"/>
+        <p14:creationId xmlns:p14="http://schemas.microsoft.com/office/powerpoint/2010/main" val="3623324750"/>
       </p:ext>
     </p:extLst>
   </p:cSld>
@@ -6696,12 +9435,12 @@
       </p:grpSpPr>
       <p:sp>
         <p:nvSpPr>
-          <p:cNvPr id="2" name="Titel 1"/>
+          <p:cNvPr id="4" name="Titel 3"/>
           <p:cNvSpPr>
             <a:spLocks noGrp="1"/>
           </p:cNvSpPr>
           <p:nvPr>
-            <p:ph type="title"/>
+            <p:ph type="ctrTitle"/>
           </p:nvPr>
         </p:nvSpPr>
         <p:spPr/>
@@ -6711,35 +9450,16 @@
           <a:p>
             <a:r>
               <a:rPr lang="de-DE" dirty="0" smtClean="0"/>
-              <a:t>Teilverhältnis</a:t>
+              <a:t>Harmonische Lage rechnerisch</a:t>
             </a:r>
             <a:endParaRPr lang="de-DE" dirty="0"/>
-          </a:p>
-        </p:txBody>
-      </p:sp>
-      <p:sp>
-        <p:nvSpPr>
-          <p:cNvPr id="3" name="Inhaltsplatzhalter 2"/>
-          <p:cNvSpPr>
-            <a:spLocks noGrp="1"/>
-          </p:cNvSpPr>
-          <p:nvPr>
-            <p:ph idx="1"/>
-          </p:nvPr>
-        </p:nvSpPr>
-        <p:spPr/>
-        <p:txBody>
-          <a:bodyPr/>
-          <a:lstStyle/>
-          <a:p>
-            <a:endParaRPr lang="de-DE"/>
           </a:p>
         </p:txBody>
       </p:sp>
     </p:spTree>
     <p:extLst>
       <p:ext uri="{BB962C8B-B14F-4D97-AF65-F5344CB8AC3E}">
-        <p14:creationId xmlns:p14="http://schemas.microsoft.com/office/powerpoint/2010/main" val="2301485837"/>
+        <p14:creationId xmlns:p14="http://schemas.microsoft.com/office/powerpoint/2010/main" val="2964293013"/>
       </p:ext>
     </p:extLst>
   </p:cSld>
